--- a/examples/dist/static/test-files/test.pptx
+++ b/examples/dist/static/test-files/test.pptx
@@ -5,14 +5,13 @@
     <p:sldMasterId id="2147483648" r:id="rId1"/>
   </p:sldMasterIdLst>
   <p:notesMasterIdLst>
-    <p:notesMasterId r:id="rId7"/>
+    <p:notesMasterId r:id="rId6"/>
   </p:notesMasterIdLst>
   <p:sldIdLst>
-    <p:sldId id="256" r:id="rId2"/>
-    <p:sldId id="257" r:id="rId3"/>
-    <p:sldId id="258" r:id="rId4"/>
-    <p:sldId id="259" r:id="rId5"/>
-    <p:sldId id="260" r:id="rId6"/>
+    <p:sldId id="257" r:id="rId2"/>
+    <p:sldId id="258" r:id="rId3"/>
+    <p:sldId id="259" r:id="rId4"/>
+    <p:sldId id="260" r:id="rId5"/>
   </p:sldIdLst>
   <p:sldSz cx="12192000" cy="6858000"/>
   <p:notesSz cx="6858000" cy="9144000"/>
@@ -201,7 +200,7 @@
           <a:p>
             <a:fld id="{2A079B6E-BB47-DC4B-B208-DE5B6C0B8C10}" type="datetimeFigureOut">
               <a:rPr kumimoji="1" lang="zh-CN" altLang="en-US" smtClean="0"/>
-              <a:t>2024/10/19</a:t>
+              <a:t>2024/10/21</a:t>
             </a:fld>
             <a:endParaRPr kumimoji="1" lang="zh-CN" altLang="en-US"/>
           </a:p>
@@ -533,7 +532,7 @@
           <a:p>
             <a:fld id="{9F98B547-6C9B-E74D-AE84-E04D35D9791D}" type="slidenum">
               <a:rPr kumimoji="1" lang="zh-CN" altLang="en-US" smtClean="0"/>
-              <a:t>2</a:t>
+              <a:t>1</a:t>
             </a:fld>
             <a:endParaRPr kumimoji="1" lang="zh-CN" altLang="en-US"/>
           </a:p>
@@ -739,7 +738,7 @@
           <a:p>
             <a:fld id="{CB466922-C78F-E14C-A6FB-A4B546F5A82C}" type="datetimeFigureOut">
               <a:rPr kumimoji="1" lang="zh-CN" altLang="en-US" smtClean="0"/>
-              <a:t>2024/10/19</a:t>
+              <a:t>2024/10/21</a:t>
             </a:fld>
             <a:endParaRPr kumimoji="1" lang="zh-CN" altLang="en-US"/>
           </a:p>
@@ -977,7 +976,7 @@
           <a:p>
             <a:fld id="{CB466922-C78F-E14C-A6FB-A4B546F5A82C}" type="datetimeFigureOut">
               <a:rPr kumimoji="1" lang="zh-CN" altLang="en-US" smtClean="0"/>
-              <a:t>2024/10/19</a:t>
+              <a:t>2024/10/21</a:t>
             </a:fld>
             <a:endParaRPr kumimoji="1" lang="zh-CN" altLang="en-US"/>
           </a:p>
@@ -1223,7 +1222,7 @@
           <a:p>
             <a:fld id="{CB466922-C78F-E14C-A6FB-A4B546F5A82C}" type="datetimeFigureOut">
               <a:rPr kumimoji="1" lang="zh-CN" altLang="en-US" smtClean="0"/>
-              <a:t>2024/10/19</a:t>
+              <a:t>2024/10/21</a:t>
             </a:fld>
             <a:endParaRPr kumimoji="1" lang="zh-CN" altLang="en-US"/>
           </a:p>
@@ -1528,7 +1527,7 @@
           <a:p>
             <a:fld id="{CB466922-C78F-E14C-A6FB-A4B546F5A82C}" type="datetimeFigureOut">
               <a:rPr kumimoji="1" lang="zh-CN" altLang="en-US" smtClean="0"/>
-              <a:t>2024/10/19</a:t>
+              <a:t>2024/10/21</a:t>
             </a:fld>
             <a:endParaRPr kumimoji="1" lang="zh-CN" altLang="en-US"/>
           </a:p>
@@ -1831,7 +1830,7 @@
           <a:p>
             <a:fld id="{CB466922-C78F-E14C-A6FB-A4B546F5A82C}" type="datetimeFigureOut">
               <a:rPr kumimoji="1" lang="zh-CN" altLang="en-US" smtClean="0"/>
-              <a:t>2024/10/19</a:t>
+              <a:t>2024/10/21</a:t>
             </a:fld>
             <a:endParaRPr kumimoji="1" lang="zh-CN" altLang="en-US"/>
           </a:p>
@@ -2282,7 +2281,7 @@
           <a:p>
             <a:fld id="{CB466922-C78F-E14C-A6FB-A4B546F5A82C}" type="datetimeFigureOut">
               <a:rPr kumimoji="1" lang="zh-CN" altLang="en-US" smtClean="0"/>
-              <a:t>2024/10/19</a:t>
+              <a:t>2024/10/21</a:t>
             </a:fld>
             <a:endParaRPr kumimoji="1" lang="zh-CN" altLang="en-US"/>
           </a:p>
@@ -2455,7 +2454,7 @@
           <a:p>
             <a:fld id="{CB466922-C78F-E14C-A6FB-A4B546F5A82C}" type="datetimeFigureOut">
               <a:rPr kumimoji="1" lang="zh-CN" altLang="en-US" smtClean="0"/>
-              <a:t>2024/10/19</a:t>
+              <a:t>2024/10/21</a:t>
             </a:fld>
             <a:endParaRPr kumimoji="1" lang="zh-CN" altLang="en-US"/>
           </a:p>
@@ -2592,7 +2591,7 @@
           <a:p>
             <a:fld id="{CB466922-C78F-E14C-A6FB-A4B546F5A82C}" type="datetimeFigureOut">
               <a:rPr kumimoji="1" lang="zh-CN" altLang="en-US" smtClean="0"/>
-              <a:t>2024/10/19</a:t>
+              <a:t>2024/10/21</a:t>
             </a:fld>
             <a:endParaRPr kumimoji="1" lang="zh-CN" altLang="en-US"/>
           </a:p>
@@ -2936,7 +2935,7 @@
           <a:p>
             <a:fld id="{CB466922-C78F-E14C-A6FB-A4B546F5A82C}" type="datetimeFigureOut">
               <a:rPr kumimoji="1" lang="zh-CN" altLang="en-US" smtClean="0"/>
-              <a:t>2024/10/19</a:t>
+              <a:t>2024/10/21</a:t>
             </a:fld>
             <a:endParaRPr kumimoji="1" lang="zh-CN" altLang="en-US"/>
           </a:p>
@@ -3257,7 +3256,7 @@
           <a:p>
             <a:fld id="{CB466922-C78F-E14C-A6FB-A4B546F5A82C}" type="datetimeFigureOut">
               <a:rPr kumimoji="1" lang="zh-CN" altLang="en-US" smtClean="0"/>
-              <a:t>2024/10/19</a:t>
+              <a:t>2024/10/21</a:t>
             </a:fld>
             <a:endParaRPr kumimoji="1" lang="zh-CN" altLang="en-US"/>
           </a:p>
@@ -3702,176 +3701,12 @@
           <a:chExt cx="0" cy="0"/>
         </a:xfrm>
       </p:grpSpPr>
-      <p:cxnSp>
-        <p:nvCxnSpPr>
-          <p:cNvPr id="22" name="直线连接符 21">
-            <a:extLst>
-              <a:ext uri="{FF2B5EF4-FFF2-40B4-BE49-F238E27FC236}">
-                <a16:creationId xmlns:a16="http://schemas.microsoft.com/office/drawing/2014/main" id="{CF74AF0E-0D44-882B-3D33-C21151219189}"/>
-              </a:ext>
-            </a:extLst>
-          </p:cNvPr>
-          <p:cNvCxnSpPr/>
-          <p:nvPr/>
-        </p:nvCxnSpPr>
-        <p:spPr>
-          <a:xfrm>
-            <a:off x="5377542" y="1634236"/>
-            <a:ext cx="0" cy="5549900"/>
-          </a:xfrm>
-          <a:prstGeom prst="line">
-            <a:avLst/>
-          </a:prstGeom>
-          <a:ln>
-            <a:solidFill>
-              <a:schemeClr val="accent2"/>
-            </a:solidFill>
-          </a:ln>
-        </p:spPr>
-        <p:style>
-          <a:lnRef idx="1">
-            <a:schemeClr val="accent1"/>
-          </a:lnRef>
-          <a:fillRef idx="0">
-            <a:schemeClr val="accent1"/>
-          </a:fillRef>
-          <a:effectRef idx="0">
-            <a:schemeClr val="accent1"/>
-          </a:effectRef>
-          <a:fontRef idx="minor">
-            <a:schemeClr val="tx1"/>
-          </a:fontRef>
-        </p:style>
-      </p:cxnSp>
-      <p:cxnSp>
-        <p:nvCxnSpPr>
-          <p:cNvPr id="24" name="直线连接符 23">
-            <a:extLst>
-              <a:ext uri="{FF2B5EF4-FFF2-40B4-BE49-F238E27FC236}">
-                <a16:creationId xmlns:a16="http://schemas.microsoft.com/office/drawing/2014/main" id="{7751C58F-8DD8-F410-D023-F9326AD38397}"/>
-              </a:ext>
-            </a:extLst>
-          </p:cNvPr>
-          <p:cNvCxnSpPr/>
-          <p:nvPr/>
-        </p:nvCxnSpPr>
-        <p:spPr>
-          <a:xfrm>
-            <a:off x="3393512" y="4197096"/>
-            <a:ext cx="6638544" cy="0"/>
-          </a:xfrm>
-          <a:prstGeom prst="line">
-            <a:avLst/>
-          </a:prstGeom>
-          <a:ln>
-            <a:solidFill>
-              <a:schemeClr val="accent2"/>
-            </a:solidFill>
-          </a:ln>
-        </p:spPr>
-        <p:style>
-          <a:lnRef idx="1">
-            <a:schemeClr val="accent1"/>
-          </a:lnRef>
-          <a:fillRef idx="0">
-            <a:schemeClr val="accent1"/>
-          </a:fillRef>
-          <a:effectRef idx="0">
-            <a:schemeClr val="accent1"/>
-          </a:effectRef>
-          <a:fontRef idx="minor">
-            <a:schemeClr val="tx1"/>
-          </a:fontRef>
-        </p:style>
-      </p:cxnSp>
-      <p:cxnSp>
-        <p:nvCxnSpPr>
-          <p:cNvPr id="25" name="直线连接符 24">
-            <a:extLst>
-              <a:ext uri="{FF2B5EF4-FFF2-40B4-BE49-F238E27FC236}">
-                <a16:creationId xmlns:a16="http://schemas.microsoft.com/office/drawing/2014/main" id="{8458B9E2-F84A-4E6C-5031-4721B9F5AB2E}"/>
-              </a:ext>
-            </a:extLst>
-          </p:cNvPr>
-          <p:cNvCxnSpPr/>
-          <p:nvPr/>
-        </p:nvCxnSpPr>
-        <p:spPr>
-          <a:xfrm>
-            <a:off x="3268327" y="1993900"/>
-            <a:ext cx="6638544" cy="0"/>
-          </a:xfrm>
-          <a:prstGeom prst="line">
-            <a:avLst/>
-          </a:prstGeom>
-          <a:ln>
-            <a:solidFill>
-              <a:schemeClr val="accent2"/>
-            </a:solidFill>
-          </a:ln>
-        </p:spPr>
-        <p:style>
-          <a:lnRef idx="1">
-            <a:schemeClr val="accent1"/>
-          </a:lnRef>
-          <a:fillRef idx="0">
-            <a:schemeClr val="accent1"/>
-          </a:fillRef>
-          <a:effectRef idx="0">
-            <a:schemeClr val="accent1"/>
-          </a:effectRef>
-          <a:fontRef idx="minor">
-            <a:schemeClr val="tx1"/>
-          </a:fontRef>
-        </p:style>
-      </p:cxnSp>
-      <p:cxnSp>
-        <p:nvCxnSpPr>
-          <p:cNvPr id="26" name="直线连接符 25">
-            <a:extLst>
-              <a:ext uri="{FF2B5EF4-FFF2-40B4-BE49-F238E27FC236}">
-                <a16:creationId xmlns:a16="http://schemas.microsoft.com/office/drawing/2014/main" id="{67FCD836-040A-079D-90D8-67A1A66D29D6}"/>
-              </a:ext>
-            </a:extLst>
-          </p:cNvPr>
-          <p:cNvCxnSpPr/>
-          <p:nvPr/>
-        </p:nvCxnSpPr>
-        <p:spPr>
-          <a:xfrm>
-            <a:off x="6409798" y="1634236"/>
-            <a:ext cx="0" cy="5549900"/>
-          </a:xfrm>
-          <a:prstGeom prst="line">
-            <a:avLst/>
-          </a:prstGeom>
-          <a:ln>
-            <a:solidFill>
-              <a:schemeClr val="accent2"/>
-            </a:solidFill>
-          </a:ln>
-        </p:spPr>
-        <p:style>
-          <a:lnRef idx="1">
-            <a:schemeClr val="accent1"/>
-          </a:lnRef>
-          <a:fillRef idx="0">
-            <a:schemeClr val="accent1"/>
-          </a:fillRef>
-          <a:effectRef idx="0">
-            <a:schemeClr val="accent1"/>
-          </a:effectRef>
-          <a:fontRef idx="minor">
-            <a:schemeClr val="tx1"/>
-          </a:fontRef>
-        </p:style>
-      </p:cxnSp>
-      <p:sp>
-        <p:nvSpPr>
-          <p:cNvPr id="27" name="菱形 26">
-            <a:extLst>
-              <a:ext uri="{FF2B5EF4-FFF2-40B4-BE49-F238E27FC236}">
-                <a16:creationId xmlns:a16="http://schemas.microsoft.com/office/drawing/2014/main" id="{0A2641DA-8455-E25C-4FE4-296DFAFE5D76}"/>
+      <p:sp>
+        <p:nvSpPr>
+          <p:cNvPr id="4" name="矩形 3">
+            <a:extLst>
+              <a:ext uri="{FF2B5EF4-FFF2-40B4-BE49-F238E27FC236}">
+                <a16:creationId xmlns:a16="http://schemas.microsoft.com/office/drawing/2014/main" id="{7F02780C-C5BF-34C9-12B7-D550AFFBAC3A}"/>
               </a:ext>
             </a:extLst>
           </p:cNvPr>
@@ -3880,12 +3715,15 @@
         </p:nvSpPr>
         <p:spPr>
           <a:xfrm>
-            <a:off x="5377542" y="2100943"/>
-            <a:ext cx="4180116" cy="2013852"/>
-          </a:xfrm>
-          <a:prstGeom prst="diamond">
-            <a:avLst/>
-          </a:prstGeom>
+            <a:off x="292100" y="774700"/>
+            <a:ext cx="1079500" cy="736600"/>
+          </a:xfrm>
+          <a:prstGeom prst="rect">
+            <a:avLst/>
+          </a:prstGeom>
+          <a:ln w="63500">
+            <a:prstDash val="lgDashDotDot"/>
+          </a:ln>
         </p:spPr>
         <p:style>
           <a:lnRef idx="2">
@@ -3904,22 +3742,23 @@
           </a:fontRef>
         </p:style>
         <p:txBody>
-          <a:bodyPr lIns="0" tIns="0" rIns="0" bIns="0" rtlCol="0" anchor="b"/>
-          <a:lstStyle/>
-          <a:p>
-            <a:r>
-              <a:rPr kumimoji="1" lang="zh-CN" altLang="en-US" dirty="0"/>
-              <a:t>的点点滴滴端到端点多对对对多多多多多多多</a:t>
-            </a:r>
-          </a:p>
-        </p:txBody>
-      </p:sp>
-      <p:sp>
-        <p:nvSpPr>
-          <p:cNvPr id="28" name="正五边形 27">
-            <a:extLst>
-              <a:ext uri="{FF2B5EF4-FFF2-40B4-BE49-F238E27FC236}">
-                <a16:creationId xmlns:a16="http://schemas.microsoft.com/office/drawing/2014/main" id="{BF9C47E7-B179-CA3E-C5F4-5A1B86DA1A08}"/>
+          <a:bodyPr lIns="0" tIns="0" rIns="0" bIns="0" rtlCol="0" anchor="ctr"/>
+          <a:lstStyle/>
+          <a:p>
+            <a:pPr algn="ctr"/>
+            <a:r>
+              <a:rPr kumimoji="1" lang="zh-CN" altLang="en-US" b="1" dirty="0"/>
+              <a:t>测试李玉林单独</a:t>
+            </a:r>
+          </a:p>
+        </p:txBody>
+      </p:sp>
+      <p:sp>
+        <p:nvSpPr>
+          <p:cNvPr id="5" name="圆角矩形 4">
+            <a:extLst>
+              <a:ext uri="{FF2B5EF4-FFF2-40B4-BE49-F238E27FC236}">
+                <a16:creationId xmlns:a16="http://schemas.microsoft.com/office/drawing/2014/main" id="{2F92339C-E3FE-665D-3359-7876EF33BAD3}"/>
               </a:ext>
             </a:extLst>
           </p:cNvPr>
@@ -3928,12 +3767,20 @@
         </p:nvSpPr>
         <p:spPr>
           <a:xfrm>
-            <a:off x="6409798" y="4197096"/>
-            <a:ext cx="3497074" cy="1692075"/>
-          </a:xfrm>
-          <a:prstGeom prst="pentagon">
-            <a:avLst/>
-          </a:prstGeom>
+            <a:off x="1651000" y="762000"/>
+            <a:ext cx="1219200" cy="838200"/>
+          </a:xfrm>
+          <a:prstGeom prst="roundRect">
+            <a:avLst>
+              <a:gd name="adj" fmla="val 50000"/>
+            </a:avLst>
+          </a:prstGeom>
+          <a:solidFill>
+            <a:schemeClr val="accent2"/>
+          </a:solidFill>
+          <a:ln w="63500">
+            <a:prstDash val="sysDot"/>
+          </a:ln>
         </p:spPr>
         <p:style>
           <a:lnRef idx="2">
@@ -3960,50 +3807,12 @@
           </a:p>
         </p:txBody>
       </p:sp>
-    </p:spTree>
-    <p:extLst>
-      <p:ext uri="{BB962C8B-B14F-4D97-AF65-F5344CB8AC3E}">
-        <p14:creationId xmlns:p14="http://schemas.microsoft.com/office/powerpoint/2010/main" val="1608560158"/>
-      </p:ext>
-    </p:extLst>
-  </p:cSld>
-  <p:clrMapOvr>
-    <a:masterClrMapping/>
-  </p:clrMapOvr>
-</p:sld>
-</file>
-
-<file path=ppt/slides/slide2.xml><?xml version="1.0" encoding="utf-8"?>
-<p:sld xmlns:a="http://schemas.openxmlformats.org/drawingml/2006/main" xmlns:r="http://schemas.openxmlformats.org/officeDocument/2006/relationships" xmlns:p="http://schemas.openxmlformats.org/presentationml/2006/main">
-  <p:cSld>
-    <p:bg>
-      <p:bgPr>
-        <a:solidFill>
-          <a:schemeClr val="bg1"/>
-        </a:solidFill>
-        <a:effectLst/>
-      </p:bgPr>
-    </p:bg>
-    <p:spTree>
-      <p:nvGrpSpPr>
-        <p:cNvPr id="1" name=""/>
-        <p:cNvGrpSpPr/>
-        <p:nvPr/>
-      </p:nvGrpSpPr>
-      <p:grpSpPr>
-        <a:xfrm>
-          <a:off x="0" y="0"/>
-          <a:ext cx="0" cy="0"/>
-          <a:chOff x="0" y="0"/>
-          <a:chExt cx="0" cy="0"/>
-        </a:xfrm>
-      </p:grpSpPr>
-      <p:sp>
-        <p:nvSpPr>
-          <p:cNvPr id="4" name="矩形 3">
-            <a:extLst>
-              <a:ext uri="{FF2B5EF4-FFF2-40B4-BE49-F238E27FC236}">
-                <a16:creationId xmlns:a16="http://schemas.microsoft.com/office/drawing/2014/main" id="{7F02780C-C5BF-34C9-12B7-D550AFFBAC3A}"/>
+      <p:sp>
+        <p:nvSpPr>
+          <p:cNvPr id="6" name="剪去单角的矩形 5">
+            <a:extLst>
+              <a:ext uri="{FF2B5EF4-FFF2-40B4-BE49-F238E27FC236}">
+                <a16:creationId xmlns:a16="http://schemas.microsoft.com/office/drawing/2014/main" id="{D995796B-26E8-0E09-113F-859EB51B2846}"/>
               </a:ext>
             </a:extLst>
           </p:cNvPr>
@@ -4012,14 +3821,19 @@
         </p:nvSpPr>
         <p:spPr>
           <a:xfrm>
-            <a:off x="292100" y="774700"/>
-            <a:ext cx="1079500" cy="736600"/>
-          </a:xfrm>
-          <a:prstGeom prst="rect">
-            <a:avLst/>
-          </a:prstGeom>
+            <a:off x="3327400" y="774700"/>
+            <a:ext cx="1155700" cy="850900"/>
+          </a:xfrm>
+          <a:prstGeom prst="snip1Rect">
+            <a:avLst>
+              <a:gd name="adj" fmla="val 37563"/>
+            </a:avLst>
+          </a:prstGeom>
+          <a:solidFill>
+            <a:srgbClr val="CC655B"/>
+          </a:solidFill>
           <a:ln w="63500">
-            <a:prstDash val="lgDashDotDot"/>
+            <a:prstDash val="sysDash"/>
           </a:ln>
         </p:spPr>
         <p:style>
@@ -4039,23 +3853,20 @@
           </a:fontRef>
         </p:style>
         <p:txBody>
-          <a:bodyPr lIns="0" tIns="0" rIns="0" bIns="0" rtlCol="0" anchor="ctr"/>
+          <a:bodyPr rtlCol="0" anchor="ctr"/>
           <a:lstStyle/>
           <a:p>
             <a:pPr algn="ctr"/>
-            <a:r>
-              <a:rPr kumimoji="1" lang="zh-CN" altLang="en-US" b="1" dirty="0"/>
-              <a:t>测试李玉林单独</a:t>
-            </a:r>
-          </a:p>
-        </p:txBody>
-      </p:sp>
-      <p:sp>
-        <p:nvSpPr>
-          <p:cNvPr id="5" name="圆角矩形 4">
-            <a:extLst>
-              <a:ext uri="{FF2B5EF4-FFF2-40B4-BE49-F238E27FC236}">
-                <a16:creationId xmlns:a16="http://schemas.microsoft.com/office/drawing/2014/main" id="{2F92339C-E3FE-665D-3359-7876EF33BAD3}"/>
+            <a:endParaRPr kumimoji="1" lang="zh-CN" altLang="en-US"/>
+          </a:p>
+        </p:txBody>
+      </p:sp>
+      <p:sp>
+        <p:nvSpPr>
+          <p:cNvPr id="7" name="剪去同侧角的矩形 6">
+            <a:extLst>
+              <a:ext uri="{FF2B5EF4-FFF2-40B4-BE49-F238E27FC236}">
+                <a16:creationId xmlns:a16="http://schemas.microsoft.com/office/drawing/2014/main" id="{4853286B-8E27-68B6-2028-1F88590F36C5}"/>
               </a:ext>
             </a:extLst>
           </p:cNvPr>
@@ -4064,19 +3875,22 @@
         </p:nvSpPr>
         <p:spPr>
           <a:xfrm>
-            <a:off x="1651000" y="762000"/>
-            <a:ext cx="1219200" cy="838200"/>
-          </a:xfrm>
-          <a:prstGeom prst="roundRect">
+            <a:off x="4914900" y="762000"/>
+            <a:ext cx="1270000" cy="838200"/>
+          </a:xfrm>
+          <a:prstGeom prst="snip2SameRect">
             <a:avLst>
-              <a:gd name="adj" fmla="val 50000"/>
+              <a:gd name="adj1" fmla="val 36364"/>
+              <a:gd name="adj2" fmla="val 27273"/>
             </a:avLst>
           </a:prstGeom>
           <a:solidFill>
-            <a:schemeClr val="accent2"/>
+            <a:schemeClr val="accent1">
+              <a:alpha val="63000"/>
+            </a:schemeClr>
           </a:solidFill>
           <a:ln w="63500">
-            <a:prstDash val="sysDot"/>
+            <a:prstDash val="dash"/>
           </a:ln>
         </p:spPr>
         <p:style>
@@ -4106,10 +3920,10 @@
       </p:sp>
       <p:sp>
         <p:nvSpPr>
-          <p:cNvPr id="6" name="剪去单角的矩形 5">
-            <a:extLst>
-              <a:ext uri="{FF2B5EF4-FFF2-40B4-BE49-F238E27FC236}">
-                <a16:creationId xmlns:a16="http://schemas.microsoft.com/office/drawing/2014/main" id="{D995796B-26E8-0E09-113F-859EB51B2846}"/>
+          <p:cNvPr id="8" name="剪去对角的矩形 7">
+            <a:extLst>
+              <a:ext uri="{FF2B5EF4-FFF2-40B4-BE49-F238E27FC236}">
+                <a16:creationId xmlns:a16="http://schemas.microsoft.com/office/drawing/2014/main" id="{8CEB3972-C9A8-2B33-F233-40183724457D}"/>
               </a:ext>
             </a:extLst>
           </p:cNvPr>
@@ -4118,19 +3932,17 @@
         </p:nvSpPr>
         <p:spPr>
           <a:xfrm>
-            <a:off x="3327400" y="774700"/>
-            <a:ext cx="1155700" cy="850900"/>
-          </a:xfrm>
-          <a:prstGeom prst="snip1Rect">
+            <a:off x="6654800" y="774700"/>
+            <a:ext cx="1333500" cy="850900"/>
+          </a:xfrm>
+          <a:prstGeom prst="snip2DiagRect">
             <a:avLst>
-              <a:gd name="adj" fmla="val 37563"/>
+              <a:gd name="adj1" fmla="val 17910"/>
+              <a:gd name="adj2" fmla="val 34578"/>
             </a:avLst>
           </a:prstGeom>
-          <a:solidFill>
-            <a:srgbClr val="CC655B"/>
-          </a:solidFill>
           <a:ln w="63500">
-            <a:prstDash val="sysDash"/>
+            <a:prstDash val="dashDot"/>
           </a:ln>
         </p:spPr>
         <p:style>
@@ -4160,10 +3972,10 @@
       </p:sp>
       <p:sp>
         <p:nvSpPr>
-          <p:cNvPr id="7" name="剪去同侧角的矩形 6">
-            <a:extLst>
-              <a:ext uri="{FF2B5EF4-FFF2-40B4-BE49-F238E27FC236}">
-                <a16:creationId xmlns:a16="http://schemas.microsoft.com/office/drawing/2014/main" id="{4853286B-8E27-68B6-2028-1F88590F36C5}"/>
+          <p:cNvPr id="9" name="一个圆顶角并剪去另一个顶角的矩形 8">
+            <a:extLst>
+              <a:ext uri="{FF2B5EF4-FFF2-40B4-BE49-F238E27FC236}">
+                <a16:creationId xmlns:a16="http://schemas.microsoft.com/office/drawing/2014/main" id="{46552FA2-09AD-1255-1680-ECC9FDAFB98E}"/>
               </a:ext>
             </a:extLst>
           </p:cNvPr>
@@ -4172,22 +3984,30 @@
         </p:nvSpPr>
         <p:spPr>
           <a:xfrm>
-            <a:off x="4914900" y="762000"/>
-            <a:ext cx="1270000" cy="838200"/>
-          </a:xfrm>
-          <a:prstGeom prst="snip2SameRect">
+            <a:off x="8432800" y="762000"/>
+            <a:ext cx="1181100" cy="838200"/>
+          </a:xfrm>
+          <a:prstGeom prst="snipRoundRect">
             <a:avLst>
-              <a:gd name="adj1" fmla="val 36364"/>
-              <a:gd name="adj2" fmla="val 27273"/>
+              <a:gd name="adj1" fmla="val 50000"/>
+              <a:gd name="adj2" fmla="val 34849"/>
             </a:avLst>
           </a:prstGeom>
-          <a:solidFill>
-            <a:schemeClr val="accent1">
-              <a:alpha val="63000"/>
-            </a:schemeClr>
-          </a:solidFill>
+          <a:pattFill prst="pct5">
+            <a:fgClr>
+              <a:schemeClr val="accent1"/>
+            </a:fgClr>
+            <a:bgClr>
+              <a:schemeClr val="bg1"/>
+            </a:bgClr>
+          </a:pattFill>
           <a:ln w="63500">
-            <a:prstDash val="dash"/>
+            <a:solidFill>
+              <a:schemeClr val="accent1">
+                <a:shade val="15000"/>
+              </a:schemeClr>
+            </a:solidFill>
+            <a:prstDash val="lgDash"/>
           </a:ln>
         </p:spPr>
         <p:style>
@@ -4217,10 +4037,10 @@
       </p:sp>
       <p:sp>
         <p:nvSpPr>
-          <p:cNvPr id="8" name="剪去对角的矩形 7">
-            <a:extLst>
-              <a:ext uri="{FF2B5EF4-FFF2-40B4-BE49-F238E27FC236}">
-                <a16:creationId xmlns:a16="http://schemas.microsoft.com/office/drawing/2014/main" id="{8CEB3972-C9A8-2B33-F233-40183724457D}"/>
+          <p:cNvPr id="10" name="单圆角矩形 9">
+            <a:extLst>
+              <a:ext uri="{FF2B5EF4-FFF2-40B4-BE49-F238E27FC236}">
+                <a16:creationId xmlns:a16="http://schemas.microsoft.com/office/drawing/2014/main" id="{C380C0CD-7AD4-021F-64CE-2E852262E0BC}"/>
               </a:ext>
             </a:extLst>
           </p:cNvPr>
@@ -4229,17 +4049,16 @@
         </p:nvSpPr>
         <p:spPr>
           <a:xfrm>
-            <a:off x="6654800" y="774700"/>
-            <a:ext cx="1333500" cy="850900"/>
-          </a:xfrm>
-          <a:prstGeom prst="snip2DiagRect">
+            <a:off x="10121900" y="774700"/>
+            <a:ext cx="990600" cy="825500"/>
+          </a:xfrm>
+          <a:prstGeom prst="round1Rect">
             <a:avLst>
-              <a:gd name="adj1" fmla="val 17910"/>
-              <a:gd name="adj2" fmla="val 34578"/>
+              <a:gd name="adj" fmla="val 50000"/>
             </a:avLst>
           </a:prstGeom>
           <a:ln w="63500">
-            <a:prstDash val="dashDot"/>
+            <a:prstDash val="lgDashDot"/>
           </a:ln>
         </p:spPr>
         <p:style>
@@ -4269,10 +4088,10 @@
       </p:sp>
       <p:sp>
         <p:nvSpPr>
-          <p:cNvPr id="9" name="一个圆顶角并剪去另一个顶角的矩形 8">
-            <a:extLst>
-              <a:ext uri="{FF2B5EF4-FFF2-40B4-BE49-F238E27FC236}">
-                <a16:creationId xmlns:a16="http://schemas.microsoft.com/office/drawing/2014/main" id="{46552FA2-09AD-1255-1680-ECC9FDAFB98E}"/>
+          <p:cNvPr id="11" name="同侧圆角矩形 10">
+            <a:extLst>
+              <a:ext uri="{FF2B5EF4-FFF2-40B4-BE49-F238E27FC236}">
+                <a16:creationId xmlns:a16="http://schemas.microsoft.com/office/drawing/2014/main" id="{45920CF5-D7E8-73C5-0A70-E07D45208D62}"/>
               </a:ext>
             </a:extLst>
           </p:cNvPr>
@@ -4281,30 +4100,17 @@
         </p:nvSpPr>
         <p:spPr>
           <a:xfrm>
-            <a:off x="8432800" y="762000"/>
-            <a:ext cx="1181100" cy="838200"/>
-          </a:xfrm>
-          <a:prstGeom prst="snipRoundRect">
+            <a:off x="292100" y="1917700"/>
+            <a:ext cx="1079500" cy="927100"/>
+          </a:xfrm>
+          <a:prstGeom prst="round2SameRect">
             <a:avLst>
               <a:gd name="adj1" fmla="val 50000"/>
-              <a:gd name="adj2" fmla="val 34849"/>
+              <a:gd name="adj2" fmla="val 0"/>
             </a:avLst>
           </a:prstGeom>
-          <a:pattFill prst="pct5">
-            <a:fgClr>
-              <a:schemeClr val="accent1"/>
-            </a:fgClr>
-            <a:bgClr>
-              <a:schemeClr val="bg1"/>
-            </a:bgClr>
-          </a:pattFill>
           <a:ln w="63500">
-            <a:solidFill>
-              <a:schemeClr val="accent1">
-                <a:shade val="15000"/>
-              </a:schemeClr>
-            </a:solidFill>
-            <a:prstDash val="lgDash"/>
+            <a:prstDash val="lgDashDotDot"/>
           </a:ln>
         </p:spPr>
         <p:style>
@@ -4334,10 +4140,10 @@
       </p:sp>
       <p:sp>
         <p:nvSpPr>
-          <p:cNvPr id="10" name="单圆角矩形 9">
-            <a:extLst>
-              <a:ext uri="{FF2B5EF4-FFF2-40B4-BE49-F238E27FC236}">
-                <a16:creationId xmlns:a16="http://schemas.microsoft.com/office/drawing/2014/main" id="{C380C0CD-7AD4-021F-64CE-2E852262E0BC}"/>
+          <p:cNvPr id="12" name="对角圆角矩形 11">
+            <a:extLst>
+              <a:ext uri="{FF2B5EF4-FFF2-40B4-BE49-F238E27FC236}">
+                <a16:creationId xmlns:a16="http://schemas.microsoft.com/office/drawing/2014/main" id="{244330DC-68BA-0961-2218-048DA5442F14}"/>
               </a:ext>
             </a:extLst>
           </p:cNvPr>
@@ -4346,16 +4152,29 @@
         </p:nvSpPr>
         <p:spPr>
           <a:xfrm>
-            <a:off x="10121900" y="774700"/>
-            <a:ext cx="990600" cy="825500"/>
-          </a:xfrm>
-          <a:prstGeom prst="round1Rect">
+            <a:off x="1841500" y="1917700"/>
+            <a:ext cx="1847850" cy="1016000"/>
+          </a:xfrm>
+          <a:prstGeom prst="round2DiagRect">
             <a:avLst>
-              <a:gd name="adj" fmla="val 50000"/>
+              <a:gd name="adj1" fmla="val 50000"/>
+              <a:gd name="adj2" fmla="val 8750"/>
             </a:avLst>
           </a:prstGeom>
-          <a:ln w="63500">
-            <a:prstDash val="lgDashDot"/>
+          <a:pattFill prst="solidDmnd">
+            <a:fgClr>
+              <a:srgbClr val="FFFF00"/>
+            </a:fgClr>
+            <a:bgClr>
+              <a:schemeClr val="accent2">
+                <a:lumMod val="60000"/>
+                <a:lumOff val="40000"/>
+              </a:schemeClr>
+            </a:bgClr>
+          </a:pattFill>
+          <a:ln w="127000" cap="rnd">
+            <a:prstDash val="lgDashDotDot"/>
+            <a:round/>
           </a:ln>
         </p:spPr>
         <p:style>
@@ -4385,10 +4204,45 @@
       </p:sp>
       <p:sp>
         <p:nvSpPr>
-          <p:cNvPr id="11" name="同侧圆角矩形 10">
-            <a:extLst>
-              <a:ext uri="{FF2B5EF4-FFF2-40B4-BE49-F238E27FC236}">
-                <a16:creationId xmlns:a16="http://schemas.microsoft.com/office/drawing/2014/main" id="{45920CF5-D7E8-73C5-0A70-E07D45208D62}"/>
+          <p:cNvPr id="13" name="文本框 12">
+            <a:extLst>
+              <a:ext uri="{FF2B5EF4-FFF2-40B4-BE49-F238E27FC236}">
+                <a16:creationId xmlns:a16="http://schemas.microsoft.com/office/drawing/2014/main" id="{10527CF6-3A51-925C-34A7-CB880ECCAE03}"/>
+              </a:ext>
+            </a:extLst>
+          </p:cNvPr>
+          <p:cNvSpPr txBox="1"/>
+          <p:nvPr/>
+        </p:nvSpPr>
+        <p:spPr>
+          <a:xfrm>
+            <a:off x="388266" y="183634"/>
+            <a:ext cx="1107996" cy="369332"/>
+          </a:xfrm>
+          <a:prstGeom prst="rect">
+            <a:avLst/>
+          </a:prstGeom>
+          <a:noFill/>
+        </p:spPr>
+        <p:txBody>
+          <a:bodyPr wrap="none" rtlCol="0">
+            <a:spAutoFit/>
+          </a:bodyPr>
+          <a:lstStyle/>
+          <a:p>
+            <a:r>
+              <a:rPr kumimoji="1" lang="zh-CN" altLang="en-US" b="1" dirty="0"/>
+              <a:t>形状测试</a:t>
+            </a:r>
+          </a:p>
+        </p:txBody>
+      </p:sp>
+      <p:sp>
+        <p:nvSpPr>
+          <p:cNvPr id="2" name="椭圆 1">
+            <a:extLst>
+              <a:ext uri="{FF2B5EF4-FFF2-40B4-BE49-F238E27FC236}">
+                <a16:creationId xmlns:a16="http://schemas.microsoft.com/office/drawing/2014/main" id="{D0D6C726-CD3C-C083-1793-305F88A51BBD}"/>
               </a:ext>
             </a:extLst>
           </p:cNvPr>
@@ -4397,18 +4251,17 @@
         </p:nvSpPr>
         <p:spPr>
           <a:xfrm>
-            <a:off x="292100" y="1917700"/>
-            <a:ext cx="1079500" cy="927100"/>
-          </a:xfrm>
-          <a:prstGeom prst="round2SameRect">
-            <a:avLst>
-              <a:gd name="adj1" fmla="val 50000"/>
-              <a:gd name="adj2" fmla="val 0"/>
-            </a:avLst>
-          </a:prstGeom>
-          <a:ln w="63500">
-            <a:prstDash val="lgDashDotDot"/>
-          </a:ln>
+            <a:off x="4765183" y="1917700"/>
+            <a:ext cx="1419717" cy="1224745"/>
+          </a:xfrm>
+          <a:prstGeom prst="ellipse">
+            <a:avLst/>
+          </a:prstGeom>
+          <a:solidFill>
+            <a:schemeClr val="accent1">
+              <a:alpha val="36000"/>
+            </a:schemeClr>
+          </a:solidFill>
         </p:spPr>
         <p:style>
           <a:lnRef idx="2">
@@ -4437,10 +4290,10 @@
       </p:sp>
       <p:sp>
         <p:nvSpPr>
-          <p:cNvPr id="12" name="对角圆角矩形 11">
-            <a:extLst>
-              <a:ext uri="{FF2B5EF4-FFF2-40B4-BE49-F238E27FC236}">
-                <a16:creationId xmlns:a16="http://schemas.microsoft.com/office/drawing/2014/main" id="{244330DC-68BA-0961-2218-048DA5442F14}"/>
+          <p:cNvPr id="3" name="加号 2">
+            <a:extLst>
+              <a:ext uri="{FF2B5EF4-FFF2-40B4-BE49-F238E27FC236}">
+                <a16:creationId xmlns:a16="http://schemas.microsoft.com/office/drawing/2014/main" id="{B9A8983E-72C6-387E-DAC6-2DFBC31C59EC}"/>
               </a:ext>
             </a:extLst>
           </p:cNvPr>
@@ -4449,30 +4302,12 @@
         </p:nvSpPr>
         <p:spPr>
           <a:xfrm>
-            <a:off x="1841500" y="1917700"/>
-            <a:ext cx="1847850" cy="1016000"/>
-          </a:xfrm>
-          <a:prstGeom prst="round2DiagRect">
-            <a:avLst>
-              <a:gd name="adj1" fmla="val 50000"/>
-              <a:gd name="adj2" fmla="val 8750"/>
-            </a:avLst>
-          </a:prstGeom>
-          <a:pattFill prst="solidDmnd">
-            <a:fgClr>
-              <a:srgbClr val="FFFF00"/>
-            </a:fgClr>
-            <a:bgClr>
-              <a:schemeClr val="accent2">
-                <a:lumMod val="60000"/>
-                <a:lumOff val="40000"/>
-              </a:schemeClr>
-            </a:bgClr>
-          </a:pattFill>
-          <a:ln w="127000" cap="rnd">
-            <a:prstDash val="lgDashDotDot"/>
-            <a:round/>
-          </a:ln>
+            <a:off x="6654800" y="2079311"/>
+            <a:ext cx="1663970" cy="901521"/>
+          </a:xfrm>
+          <a:prstGeom prst="mathPlus">
+            <a:avLst/>
+          </a:prstGeom>
         </p:spPr>
         <p:style>
           <a:lnRef idx="2">
@@ -4501,45 +4336,10 @@
       </p:sp>
       <p:sp>
         <p:nvSpPr>
-          <p:cNvPr id="13" name="文本框 12">
-            <a:extLst>
-              <a:ext uri="{FF2B5EF4-FFF2-40B4-BE49-F238E27FC236}">
-                <a16:creationId xmlns:a16="http://schemas.microsoft.com/office/drawing/2014/main" id="{10527CF6-3A51-925C-34A7-CB880ECCAE03}"/>
-              </a:ext>
-            </a:extLst>
-          </p:cNvPr>
-          <p:cNvSpPr txBox="1"/>
-          <p:nvPr/>
-        </p:nvSpPr>
-        <p:spPr>
-          <a:xfrm>
-            <a:off x="2119094" y="75168"/>
-            <a:ext cx="646331" cy="369332"/>
-          </a:xfrm>
-          <a:prstGeom prst="rect">
-            <a:avLst/>
-          </a:prstGeom>
-          <a:noFill/>
-        </p:spPr>
-        <p:txBody>
-          <a:bodyPr wrap="none" rtlCol="0">
-            <a:spAutoFit/>
-          </a:bodyPr>
-          <a:lstStyle/>
-          <a:p>
-            <a:r>
-              <a:rPr kumimoji="1" lang="zh-CN" altLang="en-US" b="1" dirty="0"/>
-              <a:t>形状</a:t>
-            </a:r>
-          </a:p>
-        </p:txBody>
-      </p:sp>
-      <p:sp>
-        <p:nvSpPr>
-          <p:cNvPr id="2" name="椭圆 1">
-            <a:extLst>
-              <a:ext uri="{FF2B5EF4-FFF2-40B4-BE49-F238E27FC236}">
-                <a16:creationId xmlns:a16="http://schemas.microsoft.com/office/drawing/2014/main" id="{D0D6C726-CD3C-C083-1793-305F88A51BBD}"/>
+          <p:cNvPr id="14" name="十六角星 13">
+            <a:extLst>
+              <a:ext uri="{FF2B5EF4-FFF2-40B4-BE49-F238E27FC236}">
+                <a16:creationId xmlns:a16="http://schemas.microsoft.com/office/drawing/2014/main" id="{23C78513-58D1-9090-4D3C-13D7547C912D}"/>
               </a:ext>
             </a:extLst>
           </p:cNvPr>
@@ -4548,17 +4348,14 @@
         </p:nvSpPr>
         <p:spPr>
           <a:xfrm>
-            <a:off x="4765183" y="1917700"/>
-            <a:ext cx="1419717" cy="1224745"/>
-          </a:xfrm>
-          <a:prstGeom prst="ellipse">
-            <a:avLst/>
-          </a:prstGeom>
-          <a:solidFill>
-            <a:schemeClr val="accent1">
-              <a:alpha val="36000"/>
-            </a:schemeClr>
-          </a:solidFill>
+            <a:off x="7321550" y="3567448"/>
+            <a:ext cx="3329278" cy="1236372"/>
+          </a:xfrm>
+          <a:prstGeom prst="star16">
+            <a:avLst>
+              <a:gd name="adj" fmla="val 0"/>
+            </a:avLst>
+          </a:prstGeom>
         </p:spPr>
         <p:style>
           <a:lnRef idx="2">
@@ -4585,12 +4382,55 @@
           </a:p>
         </p:txBody>
       </p:sp>
-      <p:sp>
-        <p:nvSpPr>
-          <p:cNvPr id="3" name="加号 2">
-            <a:extLst>
-              <a:ext uri="{FF2B5EF4-FFF2-40B4-BE49-F238E27FC236}">
-                <a16:creationId xmlns:a16="http://schemas.microsoft.com/office/drawing/2014/main" id="{B9A8983E-72C6-387E-DAC6-2DFBC31C59EC}"/>
+      <p:cxnSp>
+        <p:nvCxnSpPr>
+          <p:cNvPr id="16" name="直线连接符 15">
+            <a:extLst>
+              <a:ext uri="{FF2B5EF4-FFF2-40B4-BE49-F238E27FC236}">
+                <a16:creationId xmlns:a16="http://schemas.microsoft.com/office/drawing/2014/main" id="{687767FA-CC98-FDDC-189C-6B47BC9D0B8E}"/>
+              </a:ext>
+            </a:extLst>
+          </p:cNvPr>
+          <p:cNvCxnSpPr/>
+          <p:nvPr/>
+        </p:nvCxnSpPr>
+        <p:spPr>
+          <a:xfrm>
+            <a:off x="503304" y="3943966"/>
+            <a:ext cx="4963886" cy="0"/>
+          </a:xfrm>
+          <a:prstGeom prst="line">
+            <a:avLst/>
+          </a:prstGeom>
+          <a:ln w="127000">
+            <a:solidFill>
+              <a:schemeClr val="accent2"/>
+            </a:solidFill>
+            <a:headEnd type="triangle" w="lg" len="lg"/>
+            <a:tailEnd type="diamond" w="lg" len="lg"/>
+          </a:ln>
+        </p:spPr>
+        <p:style>
+          <a:lnRef idx="1">
+            <a:schemeClr val="accent1"/>
+          </a:lnRef>
+          <a:fillRef idx="0">
+            <a:schemeClr val="accent1"/>
+          </a:fillRef>
+          <a:effectRef idx="0">
+            <a:schemeClr val="accent1"/>
+          </a:effectRef>
+          <a:fontRef idx="minor">
+            <a:schemeClr val="tx1"/>
+          </a:fontRef>
+        </p:style>
+      </p:cxnSp>
+      <p:sp>
+        <p:nvSpPr>
+          <p:cNvPr id="17" name="平行四边形 16">
+            <a:extLst>
+              <a:ext uri="{FF2B5EF4-FFF2-40B4-BE49-F238E27FC236}">
+                <a16:creationId xmlns:a16="http://schemas.microsoft.com/office/drawing/2014/main" id="{375FF021-8FE5-EECB-3309-A479F9445AD3}"/>
               </a:ext>
             </a:extLst>
           </p:cNvPr>
@@ -4599,10 +4439,10 @@
         </p:nvSpPr>
         <p:spPr>
           <a:xfrm>
-            <a:off x="6654800" y="2079311"/>
-            <a:ext cx="1663970" cy="901521"/>
-          </a:xfrm>
-          <a:prstGeom prst="mathPlus">
+            <a:off x="766482" y="4988859"/>
+            <a:ext cx="2560918" cy="1358153"/>
+          </a:xfrm>
+          <a:prstGeom prst="parallelogram">
             <a:avLst/>
           </a:prstGeom>
         </p:spPr>
@@ -4631,54 +4471,6 @@
           </a:p>
         </p:txBody>
       </p:sp>
-      <p:sp>
-        <p:nvSpPr>
-          <p:cNvPr id="14" name="十六角星 13">
-            <a:extLst>
-              <a:ext uri="{FF2B5EF4-FFF2-40B4-BE49-F238E27FC236}">
-                <a16:creationId xmlns:a16="http://schemas.microsoft.com/office/drawing/2014/main" id="{23C78513-58D1-9090-4D3C-13D7547C912D}"/>
-              </a:ext>
-            </a:extLst>
-          </p:cNvPr>
-          <p:cNvSpPr/>
-          <p:nvPr/>
-        </p:nvSpPr>
-        <p:spPr>
-          <a:xfrm>
-            <a:off x="7321550" y="3567448"/>
-            <a:ext cx="3329278" cy="1236372"/>
-          </a:xfrm>
-          <a:prstGeom prst="star16">
-            <a:avLst>
-              <a:gd name="adj" fmla="val 0"/>
-            </a:avLst>
-          </a:prstGeom>
-        </p:spPr>
-        <p:style>
-          <a:lnRef idx="2">
-            <a:schemeClr val="accent1">
-              <a:shade val="15000"/>
-            </a:schemeClr>
-          </a:lnRef>
-          <a:fillRef idx="1">
-            <a:schemeClr val="accent1"/>
-          </a:fillRef>
-          <a:effectRef idx="0">
-            <a:schemeClr val="accent1"/>
-          </a:effectRef>
-          <a:fontRef idx="minor">
-            <a:schemeClr val="lt1"/>
-          </a:fontRef>
-        </p:style>
-        <p:txBody>
-          <a:bodyPr rtlCol="0" anchor="ctr"/>
-          <a:lstStyle/>
-          <a:p>
-            <a:pPr algn="ctr"/>
-            <a:endParaRPr kumimoji="1" lang="zh-CN" altLang="en-US"/>
-          </a:p>
-        </p:txBody>
-      </p:sp>
     </p:spTree>
     <p:extLst>
       <p:ext uri="{BB962C8B-B14F-4D97-AF65-F5344CB8AC3E}">
@@ -4692,7 +4484,7 @@
 </p:sld>
 </file>
 
-<file path=ppt/slides/slide3.xml><?xml version="1.0" encoding="utf-8"?>
+<file path=ppt/slides/slide2.xml><?xml version="1.0" encoding="utf-8"?>
 <p:sld xmlns:a="http://schemas.openxmlformats.org/drawingml/2006/main" xmlns:r="http://schemas.openxmlformats.org/officeDocument/2006/relationships" xmlns:p="http://schemas.openxmlformats.org/presentationml/2006/main">
   <p:cSld>
     <p:bg>
@@ -5076,7 +4868,7 @@
           <a:p>
             <a:r>
               <a:rPr kumimoji="1" lang="zh-CN" altLang="en-US" dirty="0"/>
-              <a:t>测试大标题</a:t>
+              <a:t>测试文字</a:t>
             </a:r>
           </a:p>
         </p:txBody>
@@ -5344,6 +5136,1064 @@
     <p:extLst>
       <p:ext uri="{BB962C8B-B14F-4D97-AF65-F5344CB8AC3E}">
         <p14:creationId xmlns:p14="http://schemas.microsoft.com/office/powerpoint/2010/main" val="2544181300"/>
+      </p:ext>
+    </p:extLst>
+  </p:cSld>
+  <p:clrMapOvr>
+    <a:masterClrMapping/>
+  </p:clrMapOvr>
+</p:sld>
+</file>
+
+<file path=ppt/slides/slide3.xml><?xml version="1.0" encoding="utf-8"?>
+<p:sld xmlns:a="http://schemas.openxmlformats.org/drawingml/2006/main" xmlns:r="http://schemas.openxmlformats.org/officeDocument/2006/relationships" xmlns:p="http://schemas.openxmlformats.org/presentationml/2006/main">
+  <p:cSld>
+    <p:spTree>
+      <p:nvGrpSpPr>
+        <p:cNvPr id="1" name=""/>
+        <p:cNvGrpSpPr/>
+        <p:nvPr/>
+      </p:nvGrpSpPr>
+      <p:grpSpPr>
+        <a:xfrm>
+          <a:off x="0" y="0"/>
+          <a:ext cx="0" cy="0"/>
+          <a:chOff x="0" y="0"/>
+          <a:chExt cx="0" cy="0"/>
+        </a:xfrm>
+      </p:grpSpPr>
+      <p:sp>
+        <p:nvSpPr>
+          <p:cNvPr id="4" name="标题 6">
+            <a:extLst>
+              <a:ext uri="{FF2B5EF4-FFF2-40B4-BE49-F238E27FC236}">
+                <a16:creationId xmlns:a16="http://schemas.microsoft.com/office/drawing/2014/main" id="{7CEB9080-4F55-4944-7159-46D84610E8A9}"/>
+              </a:ext>
+            </a:extLst>
+          </p:cNvPr>
+          <p:cNvSpPr txBox="1">
+            <a:spLocks/>
+          </p:cNvSpPr>
+          <p:nvPr/>
+        </p:nvSpPr>
+        <p:spPr>
+          <a:xfrm>
+            <a:off x="838200" y="339725"/>
+            <a:ext cx="3298372" cy="1325563"/>
+          </a:xfrm>
+          <a:prstGeom prst="rect">
+            <a:avLst/>
+          </a:prstGeom>
+        </p:spPr>
+        <p:txBody>
+          <a:bodyPr vert="horz" lIns="91440" tIns="45720" rIns="91440" bIns="45720" rtlCol="0" anchor="ctr">
+            <a:normAutofit/>
+          </a:bodyPr>
+          <a:lstStyle>
+            <a:lvl1pPr algn="l" defTabSz="914400" rtl="0" eaLnBrk="1" latinLnBrk="0" hangingPunct="1">
+              <a:lnSpc>
+                <a:spcPct val="90000"/>
+              </a:lnSpc>
+              <a:spcBef>
+                <a:spcPct val="0"/>
+              </a:spcBef>
+              <a:buNone/>
+              <a:defRPr sz="4400" kern="1200">
+                <a:solidFill>
+                  <a:schemeClr val="tx1"/>
+                </a:solidFill>
+                <a:latin typeface="+mj-lt"/>
+                <a:ea typeface="+mj-ea"/>
+                <a:cs typeface="+mj-cs"/>
+              </a:defRPr>
+            </a:lvl1pPr>
+          </a:lstStyle>
+          <a:p>
+            <a:r>
+              <a:rPr lang="zh-CN" altLang="en-US" dirty="0"/>
+              <a:t>测试文字</a:t>
+            </a:r>
+          </a:p>
+        </p:txBody>
+      </p:sp>
+      <p:sp>
+        <p:nvSpPr>
+          <p:cNvPr id="5" name="标题 6">
+            <a:extLst>
+              <a:ext uri="{FF2B5EF4-FFF2-40B4-BE49-F238E27FC236}">
+                <a16:creationId xmlns:a16="http://schemas.microsoft.com/office/drawing/2014/main" id="{B0C67531-2155-6D40-A25E-0F9EE4F8FA3F}"/>
+              </a:ext>
+            </a:extLst>
+          </p:cNvPr>
+          <p:cNvSpPr txBox="1">
+            <a:spLocks/>
+          </p:cNvSpPr>
+          <p:nvPr/>
+        </p:nvSpPr>
+        <p:spPr>
+          <a:xfrm>
+            <a:off x="838200" y="1665288"/>
+            <a:ext cx="3831771" cy="1325563"/>
+          </a:xfrm>
+          <a:prstGeom prst="rect">
+            <a:avLst/>
+          </a:prstGeom>
+        </p:spPr>
+        <p:txBody>
+          <a:bodyPr vert="horz" lIns="91440" tIns="45720" rIns="91440" bIns="45720" rtlCol="0" anchor="ctr">
+            <a:normAutofit/>
+          </a:bodyPr>
+          <a:lstStyle>
+            <a:lvl1pPr algn="l" defTabSz="914400" rtl="0" eaLnBrk="1" latinLnBrk="0" hangingPunct="1">
+              <a:lnSpc>
+                <a:spcPct val="90000"/>
+              </a:lnSpc>
+              <a:spcBef>
+                <a:spcPct val="0"/>
+              </a:spcBef>
+              <a:buNone/>
+              <a:defRPr sz="4400" kern="1200">
+                <a:solidFill>
+                  <a:schemeClr val="tx1"/>
+                </a:solidFill>
+                <a:latin typeface="+mj-lt"/>
+                <a:ea typeface="+mj-ea"/>
+                <a:cs typeface="+mj-cs"/>
+              </a:defRPr>
+            </a:lvl1pPr>
+          </a:lstStyle>
+          <a:p>
+            <a:r>
+              <a:rPr lang="zh-CN" altLang="en-US" dirty="0"/>
+              <a:t>测试哈哈哈</a:t>
+            </a:r>
+          </a:p>
+        </p:txBody>
+      </p:sp>
+      <p:sp>
+        <p:nvSpPr>
+          <p:cNvPr id="6" name="文本框 5">
+            <a:extLst>
+              <a:ext uri="{FF2B5EF4-FFF2-40B4-BE49-F238E27FC236}">
+                <a16:creationId xmlns:a16="http://schemas.microsoft.com/office/drawing/2014/main" id="{E6A89045-57A8-298E-FDAF-5C231F530CCD}"/>
+              </a:ext>
+            </a:extLst>
+          </p:cNvPr>
+          <p:cNvSpPr txBox="1"/>
+          <p:nvPr/>
+        </p:nvSpPr>
+        <p:spPr>
+          <a:xfrm>
+            <a:off x="838200" y="2910918"/>
+            <a:ext cx="3298372" cy="369332"/>
+          </a:xfrm>
+          <a:prstGeom prst="rect">
+            <a:avLst/>
+          </a:prstGeom>
+          <a:noFill/>
+        </p:spPr>
+        <p:txBody>
+          <a:bodyPr wrap="square" rtlCol="0">
+            <a:spAutoFit/>
+          </a:bodyPr>
+          <a:lstStyle/>
+          <a:p>
+            <a:r>
+              <a:rPr kumimoji="1" lang="zh-CN" altLang="en-US" dirty="0"/>
+              <a:t>横排文本框</a:t>
+            </a:r>
+            <a:r>
+              <a:rPr kumimoji="1" lang="en-US" altLang="zh-CN" dirty="0"/>
+              <a:t>1</a:t>
+            </a:r>
+            <a:r>
+              <a:rPr kumimoji="1" lang="zh-CN" altLang="en-US" dirty="0"/>
+              <a:t>，普通文本框</a:t>
+            </a:r>
+          </a:p>
+        </p:txBody>
+      </p:sp>
+      <p:sp>
+        <p:nvSpPr>
+          <p:cNvPr id="7" name="文本框 6">
+            <a:extLst>
+              <a:ext uri="{FF2B5EF4-FFF2-40B4-BE49-F238E27FC236}">
+                <a16:creationId xmlns:a16="http://schemas.microsoft.com/office/drawing/2014/main" id="{DDC4E4E5-9CF2-41C9-48FD-1C3CF256157A}"/>
+              </a:ext>
+            </a:extLst>
+          </p:cNvPr>
+          <p:cNvSpPr txBox="1"/>
+          <p:nvPr/>
+        </p:nvSpPr>
+        <p:spPr>
+          <a:xfrm>
+            <a:off x="838200" y="3429000"/>
+            <a:ext cx="3298372" cy="646331"/>
+          </a:xfrm>
+          <a:prstGeom prst="rect">
+            <a:avLst/>
+          </a:prstGeom>
+          <a:noFill/>
+        </p:spPr>
+        <p:txBody>
+          <a:bodyPr wrap="square" rtlCol="0">
+            <a:spAutoFit/>
+          </a:bodyPr>
+          <a:lstStyle/>
+          <a:p>
+            <a:pPr marL="342900" indent="-342900">
+              <a:buFont typeface="+mj-lt"/>
+              <a:buAutoNum type="arabicPeriod"/>
+            </a:pPr>
+            <a:r>
+              <a:rPr kumimoji="1" lang="zh-CN" altLang="en-US" dirty="0"/>
+              <a:t>横排文本框数字形式</a:t>
+            </a:r>
+            <a:endParaRPr kumimoji="1" lang="en-US" altLang="zh-CN" dirty="0"/>
+          </a:p>
+          <a:p>
+            <a:pPr marL="342900" indent="-342900">
+              <a:buFont typeface="+mj-lt"/>
+              <a:buAutoNum type="arabicPeriod"/>
+            </a:pPr>
+            <a:r>
+              <a:rPr kumimoji="1" lang="zh-CN" altLang="en-US" dirty="0"/>
+              <a:t>横排文本框数字形式</a:t>
+            </a:r>
+            <a:endParaRPr kumimoji="1" lang="en-US" altLang="zh-CN" dirty="0"/>
+          </a:p>
+        </p:txBody>
+      </p:sp>
+      <p:sp>
+        <p:nvSpPr>
+          <p:cNvPr id="8" name="文本框 7">
+            <a:extLst>
+              <a:ext uri="{FF2B5EF4-FFF2-40B4-BE49-F238E27FC236}">
+                <a16:creationId xmlns:a16="http://schemas.microsoft.com/office/drawing/2014/main" id="{CF489A2C-F583-BD3D-EC0D-9AC8E22DCF00}"/>
+              </a:ext>
+            </a:extLst>
+          </p:cNvPr>
+          <p:cNvSpPr txBox="1"/>
+          <p:nvPr/>
+        </p:nvSpPr>
+        <p:spPr>
+          <a:xfrm>
+            <a:off x="838200" y="4202714"/>
+            <a:ext cx="3298372" cy="646331"/>
+          </a:xfrm>
+          <a:prstGeom prst="rect">
+            <a:avLst/>
+          </a:prstGeom>
+          <a:noFill/>
+        </p:spPr>
+        <p:txBody>
+          <a:bodyPr wrap="square" rtlCol="0">
+            <a:spAutoFit/>
+          </a:bodyPr>
+          <a:lstStyle/>
+          <a:p>
+            <a:pPr marL="342900" indent="-342900">
+              <a:buFont typeface="+mj-ea"/>
+              <a:buAutoNum type="circleNumDbPlain"/>
+            </a:pPr>
+            <a:r>
+              <a:rPr kumimoji="1" lang="zh-CN" altLang="en-US" dirty="0"/>
+              <a:t>横排文本框数字形式</a:t>
+            </a:r>
+            <a:endParaRPr kumimoji="1" lang="en-US" altLang="zh-CN" dirty="0"/>
+          </a:p>
+          <a:p>
+            <a:pPr marL="342900" indent="-342900">
+              <a:buFont typeface="+mj-ea"/>
+              <a:buAutoNum type="circleNumDbPlain"/>
+            </a:pPr>
+            <a:r>
+              <a:rPr kumimoji="1" lang="zh-CN" altLang="en-US" dirty="0"/>
+              <a:t>横排文本框数字形式</a:t>
+            </a:r>
+            <a:endParaRPr kumimoji="1" lang="en-US" altLang="zh-CN" dirty="0"/>
+          </a:p>
+        </p:txBody>
+      </p:sp>
+      <p:sp>
+        <p:nvSpPr>
+          <p:cNvPr id="9" name="文本框 8">
+            <a:extLst>
+              <a:ext uri="{FF2B5EF4-FFF2-40B4-BE49-F238E27FC236}">
+                <a16:creationId xmlns:a16="http://schemas.microsoft.com/office/drawing/2014/main" id="{8BFE807C-A2C2-378C-CFB8-0EB6AF531DE5}"/>
+              </a:ext>
+            </a:extLst>
+          </p:cNvPr>
+          <p:cNvSpPr txBox="1"/>
+          <p:nvPr/>
+        </p:nvSpPr>
+        <p:spPr>
+          <a:xfrm>
+            <a:off x="838200" y="4976428"/>
+            <a:ext cx="3298372" cy="646331"/>
+          </a:xfrm>
+          <a:prstGeom prst="rect">
+            <a:avLst/>
+          </a:prstGeom>
+          <a:noFill/>
+        </p:spPr>
+        <p:txBody>
+          <a:bodyPr wrap="square" rtlCol="0">
+            <a:spAutoFit/>
+          </a:bodyPr>
+          <a:lstStyle/>
+          <a:p>
+            <a:pPr marL="400050" indent="-400050">
+              <a:buFont typeface="+mj-lt"/>
+              <a:buAutoNum type="romanUcPeriod"/>
+            </a:pPr>
+            <a:r>
+              <a:rPr kumimoji="1" lang="zh-CN" altLang="en-US" dirty="0"/>
+              <a:t>横排文本框数字形式</a:t>
+            </a:r>
+            <a:endParaRPr kumimoji="1" lang="en-US" altLang="zh-CN" dirty="0"/>
+          </a:p>
+          <a:p>
+            <a:pPr marL="400050" indent="-400050">
+              <a:buFont typeface="+mj-lt"/>
+              <a:buAutoNum type="romanUcPeriod"/>
+            </a:pPr>
+            <a:r>
+              <a:rPr kumimoji="1" lang="zh-CN" altLang="en-US" dirty="0"/>
+              <a:t>横排文本框数字形式</a:t>
+            </a:r>
+            <a:endParaRPr kumimoji="1" lang="en-US" altLang="zh-CN" dirty="0"/>
+          </a:p>
+        </p:txBody>
+      </p:sp>
+      <p:sp>
+        <p:nvSpPr>
+          <p:cNvPr id="10" name="文本框 9">
+            <a:extLst>
+              <a:ext uri="{FF2B5EF4-FFF2-40B4-BE49-F238E27FC236}">
+                <a16:creationId xmlns:a16="http://schemas.microsoft.com/office/drawing/2014/main" id="{A49B39B3-7677-B0E8-94B5-9AB13FEA9D31}"/>
+              </a:ext>
+            </a:extLst>
+          </p:cNvPr>
+          <p:cNvSpPr txBox="1"/>
+          <p:nvPr/>
+        </p:nvSpPr>
+        <p:spPr>
+          <a:xfrm>
+            <a:off x="838200" y="5871944"/>
+            <a:ext cx="3298372" cy="646331"/>
+          </a:xfrm>
+          <a:prstGeom prst="rect">
+            <a:avLst/>
+          </a:prstGeom>
+          <a:noFill/>
+        </p:spPr>
+        <p:txBody>
+          <a:bodyPr wrap="square" rtlCol="0">
+            <a:spAutoFit/>
+          </a:bodyPr>
+          <a:lstStyle/>
+          <a:p>
+            <a:pPr marL="342900" indent="-342900">
+              <a:buFont typeface="+mj-lt"/>
+              <a:buAutoNum type="alphaUcPeriod"/>
+            </a:pPr>
+            <a:r>
+              <a:rPr kumimoji="1" lang="zh-CN" altLang="en-US" dirty="0"/>
+              <a:t>横排文本框数字形式</a:t>
+            </a:r>
+            <a:endParaRPr kumimoji="1" lang="en-US" altLang="zh-CN" dirty="0"/>
+          </a:p>
+          <a:p>
+            <a:pPr marL="342900" indent="-342900">
+              <a:buFont typeface="+mj-lt"/>
+              <a:buAutoNum type="alphaUcPeriod"/>
+            </a:pPr>
+            <a:r>
+              <a:rPr kumimoji="1" lang="zh-CN" altLang="en-US" dirty="0"/>
+              <a:t>横排文本框数字形式</a:t>
+            </a:r>
+            <a:endParaRPr kumimoji="1" lang="en-US" altLang="zh-CN" dirty="0"/>
+          </a:p>
+        </p:txBody>
+      </p:sp>
+      <p:sp>
+        <p:nvSpPr>
+          <p:cNvPr id="11" name="文本框 10">
+            <a:extLst>
+              <a:ext uri="{FF2B5EF4-FFF2-40B4-BE49-F238E27FC236}">
+                <a16:creationId xmlns:a16="http://schemas.microsoft.com/office/drawing/2014/main" id="{2A7376DC-8417-9773-2DBD-852021EF3101}"/>
+              </a:ext>
+            </a:extLst>
+          </p:cNvPr>
+          <p:cNvSpPr txBox="1"/>
+          <p:nvPr/>
+        </p:nvSpPr>
+        <p:spPr>
+          <a:xfrm>
+            <a:off x="4419602" y="1886507"/>
+            <a:ext cx="3298372" cy="646331"/>
+          </a:xfrm>
+          <a:prstGeom prst="rect">
+            <a:avLst/>
+          </a:prstGeom>
+          <a:noFill/>
+        </p:spPr>
+        <p:txBody>
+          <a:bodyPr wrap="square" rtlCol="0">
+            <a:spAutoFit/>
+          </a:bodyPr>
+          <a:lstStyle/>
+          <a:p>
+            <a:pPr marL="342900" indent="-342900">
+              <a:buFont typeface="+mj-lt"/>
+              <a:buAutoNum type="alphaLcParenR"/>
+            </a:pPr>
+            <a:r>
+              <a:rPr kumimoji="1" lang="zh-CN" altLang="en-US" dirty="0"/>
+              <a:t>横排文本框数字形式</a:t>
+            </a:r>
+            <a:endParaRPr kumimoji="1" lang="en-US" altLang="zh-CN" dirty="0"/>
+          </a:p>
+          <a:p>
+            <a:pPr marL="342900" indent="-342900">
+              <a:buFont typeface="+mj-lt"/>
+              <a:buAutoNum type="alphaLcParenR"/>
+            </a:pPr>
+            <a:r>
+              <a:rPr kumimoji="1" lang="zh-CN" altLang="en-US" dirty="0"/>
+              <a:t>横排文本框数字形式</a:t>
+            </a:r>
+            <a:endParaRPr kumimoji="1" lang="en-US" altLang="zh-CN" dirty="0"/>
+          </a:p>
+        </p:txBody>
+      </p:sp>
+      <p:sp>
+        <p:nvSpPr>
+          <p:cNvPr id="12" name="文本框 11">
+            <a:extLst>
+              <a:ext uri="{FF2B5EF4-FFF2-40B4-BE49-F238E27FC236}">
+                <a16:creationId xmlns:a16="http://schemas.microsoft.com/office/drawing/2014/main" id="{594303A0-D623-75B5-DFBB-5B448808433D}"/>
+              </a:ext>
+            </a:extLst>
+          </p:cNvPr>
+          <p:cNvSpPr txBox="1"/>
+          <p:nvPr/>
+        </p:nvSpPr>
+        <p:spPr>
+          <a:xfrm>
+            <a:off x="4419602" y="2936841"/>
+            <a:ext cx="3298372" cy="646331"/>
+          </a:xfrm>
+          <a:prstGeom prst="rect">
+            <a:avLst/>
+          </a:prstGeom>
+          <a:noFill/>
+        </p:spPr>
+        <p:txBody>
+          <a:bodyPr wrap="square" rtlCol="0">
+            <a:spAutoFit/>
+          </a:bodyPr>
+          <a:lstStyle/>
+          <a:p>
+            <a:pPr marL="342900" indent="-342900">
+              <a:buFont typeface="+mj-lt"/>
+              <a:buAutoNum type="alphaLcPeriod"/>
+            </a:pPr>
+            <a:r>
+              <a:rPr kumimoji="1" lang="zh-CN" altLang="en-US" dirty="0"/>
+              <a:t>横排文本框数字形式</a:t>
+            </a:r>
+            <a:endParaRPr kumimoji="1" lang="en-US" altLang="zh-CN" dirty="0"/>
+          </a:p>
+          <a:p>
+            <a:pPr marL="342900" indent="-342900">
+              <a:buFont typeface="+mj-lt"/>
+              <a:buAutoNum type="alphaLcPeriod"/>
+            </a:pPr>
+            <a:r>
+              <a:rPr kumimoji="1" lang="zh-CN" altLang="en-US" dirty="0"/>
+              <a:t>横排文本框数字形式</a:t>
+            </a:r>
+            <a:endParaRPr kumimoji="1" lang="en-US" altLang="zh-CN" dirty="0"/>
+          </a:p>
+        </p:txBody>
+      </p:sp>
+      <p:sp>
+        <p:nvSpPr>
+          <p:cNvPr id="13" name="文本框 12">
+            <a:extLst>
+              <a:ext uri="{FF2B5EF4-FFF2-40B4-BE49-F238E27FC236}">
+                <a16:creationId xmlns:a16="http://schemas.microsoft.com/office/drawing/2014/main" id="{3669D41C-E71F-40B7-E864-4235622AF827}"/>
+              </a:ext>
+            </a:extLst>
+          </p:cNvPr>
+          <p:cNvSpPr txBox="1"/>
+          <p:nvPr/>
+        </p:nvSpPr>
+        <p:spPr>
+          <a:xfrm>
+            <a:off x="4419602" y="3778931"/>
+            <a:ext cx="3298372" cy="646331"/>
+          </a:xfrm>
+          <a:prstGeom prst="rect">
+            <a:avLst/>
+          </a:prstGeom>
+          <a:noFill/>
+        </p:spPr>
+        <p:txBody>
+          <a:bodyPr wrap="square" rtlCol="0">
+            <a:spAutoFit/>
+          </a:bodyPr>
+          <a:lstStyle/>
+          <a:p>
+            <a:pPr marL="400050" indent="-400050">
+              <a:buFont typeface="+mj-ea"/>
+              <a:buAutoNum type="ea1JpnChsDbPeriod"/>
+            </a:pPr>
+            <a:r>
+              <a:rPr kumimoji="1" lang="zh-CN" altLang="en-US" dirty="0"/>
+              <a:t>横排文本框数字形式</a:t>
+            </a:r>
+            <a:endParaRPr kumimoji="1" lang="en-US" altLang="zh-CN" dirty="0"/>
+          </a:p>
+          <a:p>
+            <a:pPr marL="400050" indent="-400050">
+              <a:buFont typeface="+mj-ea"/>
+              <a:buAutoNum type="ea1JpnChsDbPeriod"/>
+            </a:pPr>
+            <a:r>
+              <a:rPr kumimoji="1" lang="zh-CN" altLang="en-US" dirty="0"/>
+              <a:t>横排文本框数字形式</a:t>
+            </a:r>
+            <a:endParaRPr kumimoji="1" lang="en-US" altLang="zh-CN" dirty="0"/>
+          </a:p>
+        </p:txBody>
+      </p:sp>
+      <p:sp>
+        <p:nvSpPr>
+          <p:cNvPr id="14" name="文本框 13">
+            <a:extLst>
+              <a:ext uri="{FF2B5EF4-FFF2-40B4-BE49-F238E27FC236}">
+                <a16:creationId xmlns:a16="http://schemas.microsoft.com/office/drawing/2014/main" id="{CC0E5F88-F594-D0B7-7A09-A855A3810028}"/>
+              </a:ext>
+            </a:extLst>
+          </p:cNvPr>
+          <p:cNvSpPr txBox="1"/>
+          <p:nvPr/>
+        </p:nvSpPr>
+        <p:spPr>
+          <a:xfrm>
+            <a:off x="4419602" y="4654608"/>
+            <a:ext cx="3298372" cy="1754326"/>
+          </a:xfrm>
+          <a:prstGeom prst="rect">
+            <a:avLst/>
+          </a:prstGeom>
+          <a:noFill/>
+        </p:spPr>
+        <p:txBody>
+          <a:bodyPr wrap="square" rtlCol="0">
+            <a:spAutoFit/>
+          </a:bodyPr>
+          <a:lstStyle/>
+          <a:p>
+            <a:pPr marL="342900" indent="-342900">
+              <a:buFont typeface="+mj-lt"/>
+              <a:buAutoNum type="arabicPeriod"/>
+            </a:pPr>
+            <a:r>
+              <a:rPr kumimoji="1" lang="zh-CN" altLang="en-US" dirty="0"/>
+              <a:t>横排文本框数字形式</a:t>
+            </a:r>
+            <a:endParaRPr kumimoji="1" lang="en-US" altLang="zh-CN" dirty="0"/>
+          </a:p>
+          <a:p>
+            <a:pPr marL="800100" lvl="1" indent="-342900">
+              <a:buFont typeface="+mj-lt"/>
+              <a:buAutoNum type="arabicPeriod"/>
+            </a:pPr>
+            <a:r>
+              <a:rPr kumimoji="1" lang="zh-CN" altLang="en-US" dirty="0"/>
+              <a:t>子节点</a:t>
+            </a:r>
+            <a:r>
+              <a:rPr kumimoji="1" lang="en-US" altLang="zh-CN" dirty="0"/>
+              <a:t>1</a:t>
+            </a:r>
+          </a:p>
+          <a:p>
+            <a:pPr marL="1257300" lvl="2" indent="-342900">
+              <a:buFont typeface="+mj-lt"/>
+              <a:buAutoNum type="arabicPeriod"/>
+            </a:pPr>
+            <a:r>
+              <a:rPr kumimoji="1" lang="zh-CN" altLang="en-US" dirty="0"/>
+              <a:t>三级</a:t>
+            </a:r>
+            <a:endParaRPr kumimoji="1" lang="en-US" altLang="zh-CN" dirty="0"/>
+          </a:p>
+          <a:p>
+            <a:pPr marL="1714500" lvl="3" indent="-342900">
+              <a:buFont typeface="+mj-lt"/>
+              <a:buAutoNum type="arabicPeriod"/>
+            </a:pPr>
+            <a:r>
+              <a:rPr kumimoji="1" lang="zh-CN" altLang="en-US" dirty="0"/>
+              <a:t>司机</a:t>
+            </a:r>
+            <a:endParaRPr kumimoji="1" lang="en-US" altLang="zh-CN" dirty="0"/>
+          </a:p>
+          <a:p>
+            <a:pPr marL="800100" lvl="1" indent="-342900">
+              <a:buFont typeface="+mj-lt"/>
+              <a:buAutoNum type="arabicPeriod"/>
+            </a:pPr>
+            <a:r>
+              <a:rPr kumimoji="1" lang="zh-CN" altLang="en-US" dirty="0"/>
+              <a:t>子节点</a:t>
+            </a:r>
+            <a:r>
+              <a:rPr kumimoji="1" lang="en-US" altLang="zh-CN" dirty="0"/>
+              <a:t>2</a:t>
+            </a:r>
+          </a:p>
+          <a:p>
+            <a:pPr marL="342900" indent="-342900">
+              <a:buFont typeface="+mj-lt"/>
+              <a:buAutoNum type="arabicPeriod"/>
+            </a:pPr>
+            <a:r>
+              <a:rPr kumimoji="1" lang="zh-CN" altLang="en-US" dirty="0"/>
+              <a:t>横排文本框数字形式</a:t>
+            </a:r>
+            <a:endParaRPr kumimoji="1" lang="en-US" altLang="zh-CN" dirty="0"/>
+          </a:p>
+        </p:txBody>
+      </p:sp>
+      <p:sp>
+        <p:nvSpPr>
+          <p:cNvPr id="15" name="文本框 14">
+            <a:extLst>
+              <a:ext uri="{FF2B5EF4-FFF2-40B4-BE49-F238E27FC236}">
+                <a16:creationId xmlns:a16="http://schemas.microsoft.com/office/drawing/2014/main" id="{CA057360-7519-E4DA-EBB8-3E64EB33D1BB}"/>
+              </a:ext>
+            </a:extLst>
+          </p:cNvPr>
+          <p:cNvSpPr txBox="1"/>
+          <p:nvPr/>
+        </p:nvSpPr>
+        <p:spPr>
+          <a:xfrm>
+            <a:off x="8251373" y="157866"/>
+            <a:ext cx="3298372" cy="646331"/>
+          </a:xfrm>
+          <a:prstGeom prst="rect">
+            <a:avLst/>
+          </a:prstGeom>
+          <a:noFill/>
+        </p:spPr>
+        <p:txBody>
+          <a:bodyPr wrap="square" rtlCol="0">
+            <a:spAutoFit/>
+          </a:bodyPr>
+          <a:lstStyle/>
+          <a:p>
+            <a:pPr marL="285750" indent="-285750">
+              <a:buFont typeface="Wingdings" pitchFamily="2" charset="2"/>
+              <a:buChar char="l"/>
+            </a:pPr>
+            <a:r>
+              <a:rPr kumimoji="1" lang="zh-CN" altLang="en-US" dirty="0"/>
+              <a:t>横排文本框数字形式</a:t>
+            </a:r>
+            <a:endParaRPr kumimoji="1" lang="en-US" altLang="zh-CN" dirty="0"/>
+          </a:p>
+          <a:p>
+            <a:pPr marL="285750" indent="-285750">
+              <a:buFont typeface="Wingdings" pitchFamily="2" charset="2"/>
+              <a:buChar char="l"/>
+            </a:pPr>
+            <a:r>
+              <a:rPr kumimoji="1" lang="zh-CN" altLang="en-US" dirty="0"/>
+              <a:t>横排文本框数字形式</a:t>
+            </a:r>
+            <a:endParaRPr kumimoji="1" lang="en-US" altLang="zh-CN" dirty="0"/>
+          </a:p>
+        </p:txBody>
+      </p:sp>
+      <p:sp>
+        <p:nvSpPr>
+          <p:cNvPr id="16" name="文本框 15">
+            <a:extLst>
+              <a:ext uri="{FF2B5EF4-FFF2-40B4-BE49-F238E27FC236}">
+                <a16:creationId xmlns:a16="http://schemas.microsoft.com/office/drawing/2014/main" id="{E537225B-2055-E86C-2504-D8B72027297B}"/>
+              </a:ext>
+            </a:extLst>
+          </p:cNvPr>
+          <p:cNvSpPr txBox="1"/>
+          <p:nvPr/>
+        </p:nvSpPr>
+        <p:spPr>
+          <a:xfrm>
+            <a:off x="8278589" y="1018668"/>
+            <a:ext cx="3298372" cy="646331"/>
+          </a:xfrm>
+          <a:prstGeom prst="rect">
+            <a:avLst/>
+          </a:prstGeom>
+          <a:noFill/>
+        </p:spPr>
+        <p:txBody>
+          <a:bodyPr wrap="square" rtlCol="0">
+            <a:spAutoFit/>
+          </a:bodyPr>
+          <a:lstStyle/>
+          <a:p>
+            <a:pPr marL="285750" indent="-285750">
+              <a:buFont typeface="Wingdings" pitchFamily="2" charset="2"/>
+              <a:buChar char="n"/>
+            </a:pPr>
+            <a:r>
+              <a:rPr kumimoji="1" lang="zh-CN" altLang="en-US" dirty="0"/>
+              <a:t>横排文本框数字形式</a:t>
+            </a:r>
+            <a:endParaRPr kumimoji="1" lang="en-US" altLang="zh-CN" dirty="0"/>
+          </a:p>
+          <a:p>
+            <a:pPr marL="285750" indent="-285750">
+              <a:buFont typeface="Wingdings" pitchFamily="2" charset="2"/>
+              <a:buChar char="n"/>
+            </a:pPr>
+            <a:r>
+              <a:rPr kumimoji="1" lang="zh-CN" altLang="en-US" dirty="0"/>
+              <a:t>横排文本框数字形式</a:t>
+            </a:r>
+            <a:endParaRPr kumimoji="1" lang="en-US" altLang="zh-CN" dirty="0"/>
+          </a:p>
+        </p:txBody>
+      </p:sp>
+      <p:sp>
+        <p:nvSpPr>
+          <p:cNvPr id="17" name="文本框 16">
+            <a:extLst>
+              <a:ext uri="{FF2B5EF4-FFF2-40B4-BE49-F238E27FC236}">
+                <a16:creationId xmlns:a16="http://schemas.microsoft.com/office/drawing/2014/main" id="{08224034-AABD-7DB5-846E-04B6396BC674}"/>
+              </a:ext>
+            </a:extLst>
+          </p:cNvPr>
+          <p:cNvSpPr txBox="1"/>
+          <p:nvPr/>
+        </p:nvSpPr>
+        <p:spPr>
+          <a:xfrm>
+            <a:off x="8311244" y="1908602"/>
+            <a:ext cx="3298372" cy="646331"/>
+          </a:xfrm>
+          <a:prstGeom prst="rect">
+            <a:avLst/>
+          </a:prstGeom>
+          <a:noFill/>
+        </p:spPr>
+        <p:txBody>
+          <a:bodyPr wrap="square" rtlCol="0">
+            <a:spAutoFit/>
+          </a:bodyPr>
+          <a:lstStyle/>
+          <a:p>
+            <a:pPr marL="285750" indent="-285750">
+              <a:buFont typeface="Wingdings" pitchFamily="2" charset="2"/>
+              <a:buChar char="u"/>
+            </a:pPr>
+            <a:r>
+              <a:rPr kumimoji="1" lang="zh-CN" altLang="en-US" dirty="0"/>
+              <a:t>横排文本框数字形式</a:t>
+            </a:r>
+            <a:endParaRPr kumimoji="1" lang="en-US" altLang="zh-CN" dirty="0"/>
+          </a:p>
+          <a:p>
+            <a:pPr marL="285750" indent="-285750">
+              <a:buFont typeface="Wingdings" pitchFamily="2" charset="2"/>
+              <a:buChar char="u"/>
+            </a:pPr>
+            <a:r>
+              <a:rPr kumimoji="1" lang="zh-CN" altLang="en-US" dirty="0"/>
+              <a:t>横排文本框数字形式</a:t>
+            </a:r>
+            <a:endParaRPr kumimoji="1" lang="en-US" altLang="zh-CN" dirty="0"/>
+          </a:p>
+        </p:txBody>
+      </p:sp>
+      <p:sp>
+        <p:nvSpPr>
+          <p:cNvPr id="18" name="文本框 17">
+            <a:extLst>
+              <a:ext uri="{FF2B5EF4-FFF2-40B4-BE49-F238E27FC236}">
+                <a16:creationId xmlns:a16="http://schemas.microsoft.com/office/drawing/2014/main" id="{8A2555A2-3894-6234-9CAB-BA46946F23C9}"/>
+              </a:ext>
+            </a:extLst>
+          </p:cNvPr>
+          <p:cNvSpPr txBox="1"/>
+          <p:nvPr/>
+        </p:nvSpPr>
+        <p:spPr>
+          <a:xfrm>
+            <a:off x="8311244" y="2669855"/>
+            <a:ext cx="3298372" cy="646331"/>
+          </a:xfrm>
+          <a:prstGeom prst="rect">
+            <a:avLst/>
+          </a:prstGeom>
+          <a:noFill/>
+        </p:spPr>
+        <p:txBody>
+          <a:bodyPr wrap="square" rtlCol="0">
+            <a:spAutoFit/>
+          </a:bodyPr>
+          <a:lstStyle/>
+          <a:p>
+            <a:pPr marL="285750" indent="-285750">
+              <a:buFont typeface="Wingdings" pitchFamily="2" charset="2"/>
+              <a:buChar char="p"/>
+            </a:pPr>
+            <a:r>
+              <a:rPr kumimoji="1" lang="zh-CN" altLang="en-US" dirty="0"/>
+              <a:t>横排文本框数字形式</a:t>
+            </a:r>
+            <a:endParaRPr kumimoji="1" lang="en-US" altLang="zh-CN" dirty="0"/>
+          </a:p>
+          <a:p>
+            <a:pPr marL="285750" indent="-285750">
+              <a:buFont typeface="Wingdings" pitchFamily="2" charset="2"/>
+              <a:buChar char="p"/>
+            </a:pPr>
+            <a:r>
+              <a:rPr kumimoji="1" lang="zh-CN" altLang="en-US" dirty="0"/>
+              <a:t>横排文本框数字形式</a:t>
+            </a:r>
+            <a:endParaRPr kumimoji="1" lang="en-US" altLang="zh-CN" dirty="0"/>
+          </a:p>
+        </p:txBody>
+      </p:sp>
+      <p:sp>
+        <p:nvSpPr>
+          <p:cNvPr id="19" name="文本框 18">
+            <a:extLst>
+              <a:ext uri="{FF2B5EF4-FFF2-40B4-BE49-F238E27FC236}">
+                <a16:creationId xmlns:a16="http://schemas.microsoft.com/office/drawing/2014/main" id="{185BFD3E-D223-B6E5-ACBA-45752C771332}"/>
+              </a:ext>
+            </a:extLst>
+          </p:cNvPr>
+          <p:cNvSpPr txBox="1"/>
+          <p:nvPr/>
+        </p:nvSpPr>
+        <p:spPr>
+          <a:xfrm>
+            <a:off x="8311244" y="3455765"/>
+            <a:ext cx="3298372" cy="646331"/>
+          </a:xfrm>
+          <a:prstGeom prst="rect">
+            <a:avLst/>
+          </a:prstGeom>
+          <a:noFill/>
+        </p:spPr>
+        <p:txBody>
+          <a:bodyPr wrap="square" rtlCol="0">
+            <a:spAutoFit/>
+          </a:bodyPr>
+          <a:lstStyle/>
+          <a:p>
+            <a:pPr marL="285750" indent="-285750">
+              <a:buFont typeface="Wingdings" pitchFamily="2" charset="2"/>
+              <a:buChar char="ü"/>
+            </a:pPr>
+            <a:r>
+              <a:rPr kumimoji="1" lang="zh-CN" altLang="en-US" dirty="0"/>
+              <a:t>横排文本框数字形式</a:t>
+            </a:r>
+            <a:endParaRPr kumimoji="1" lang="en-US" altLang="zh-CN" dirty="0"/>
+          </a:p>
+          <a:p>
+            <a:pPr marL="285750" indent="-285750">
+              <a:buFont typeface="Wingdings" pitchFamily="2" charset="2"/>
+              <a:buChar char="ü"/>
+            </a:pPr>
+            <a:r>
+              <a:rPr kumimoji="1" lang="zh-CN" altLang="en-US" dirty="0"/>
+              <a:t>横排文本框数字形式</a:t>
+            </a:r>
+            <a:endParaRPr kumimoji="1" lang="en-US" altLang="zh-CN" dirty="0"/>
+          </a:p>
+        </p:txBody>
+      </p:sp>
+      <p:sp>
+        <p:nvSpPr>
+          <p:cNvPr id="20" name="文本框 19">
+            <a:extLst>
+              <a:ext uri="{FF2B5EF4-FFF2-40B4-BE49-F238E27FC236}">
+                <a16:creationId xmlns:a16="http://schemas.microsoft.com/office/drawing/2014/main" id="{210532E4-B98F-2BB9-9E06-D22766E4A864}"/>
+              </a:ext>
+            </a:extLst>
+          </p:cNvPr>
+          <p:cNvSpPr txBox="1"/>
+          <p:nvPr/>
+        </p:nvSpPr>
+        <p:spPr>
+          <a:xfrm>
+            <a:off x="8278589" y="4202714"/>
+            <a:ext cx="3298372" cy="646331"/>
+          </a:xfrm>
+          <a:prstGeom prst="rect">
+            <a:avLst/>
+          </a:prstGeom>
+          <a:noFill/>
+        </p:spPr>
+        <p:txBody>
+          <a:bodyPr wrap="square" rtlCol="0">
+            <a:spAutoFit/>
+          </a:bodyPr>
+          <a:lstStyle/>
+          <a:p>
+            <a:pPr marL="285750" indent="-285750">
+              <a:buFont typeface="Wingdings" pitchFamily="2" charset="2"/>
+              <a:buChar char="Ø"/>
+            </a:pPr>
+            <a:r>
+              <a:rPr kumimoji="1" lang="zh-CN" altLang="en-US" dirty="0"/>
+              <a:t>横排文本框数字形式</a:t>
+            </a:r>
+            <a:endParaRPr kumimoji="1" lang="en-US" altLang="zh-CN" dirty="0"/>
+          </a:p>
+          <a:p>
+            <a:pPr marL="285750" indent="-285750">
+              <a:buFont typeface="Wingdings" pitchFamily="2" charset="2"/>
+              <a:buChar char="Ø"/>
+            </a:pPr>
+            <a:r>
+              <a:rPr kumimoji="1" lang="zh-CN" altLang="en-US" dirty="0"/>
+              <a:t>横排文本框数字形式</a:t>
+            </a:r>
+            <a:endParaRPr kumimoji="1" lang="en-US" altLang="zh-CN" dirty="0"/>
+          </a:p>
+        </p:txBody>
+      </p:sp>
+      <p:sp>
+        <p:nvSpPr>
+          <p:cNvPr id="21" name="文本框 20">
+            <a:extLst>
+              <a:ext uri="{FF2B5EF4-FFF2-40B4-BE49-F238E27FC236}">
+                <a16:creationId xmlns:a16="http://schemas.microsoft.com/office/drawing/2014/main" id="{CFEBAD08-F8E2-FE97-456C-F217B50C0E11}"/>
+              </a:ext>
+            </a:extLst>
+          </p:cNvPr>
+          <p:cNvSpPr txBox="1"/>
+          <p:nvPr/>
+        </p:nvSpPr>
+        <p:spPr>
+          <a:xfrm>
+            <a:off x="8278589" y="4988624"/>
+            <a:ext cx="3298372" cy="646331"/>
+          </a:xfrm>
+          <a:prstGeom prst="rect">
+            <a:avLst/>
+          </a:prstGeom>
+          <a:noFill/>
+        </p:spPr>
+        <p:txBody>
+          <a:bodyPr wrap="square" rtlCol="0">
+            <a:spAutoFit/>
+          </a:bodyPr>
+          <a:lstStyle/>
+          <a:p>
+            <a:pPr marL="285750" indent="-285750">
+              <a:buFont typeface="Arial" panose="020B0604020202020204" pitchFamily="34" charset="0"/>
+              <a:buChar char="•"/>
+            </a:pPr>
+            <a:r>
+              <a:rPr kumimoji="1" lang="zh-CN" altLang="en-US" dirty="0"/>
+              <a:t>横排文本框数字形式</a:t>
+            </a:r>
+            <a:endParaRPr kumimoji="1" lang="en-US" altLang="zh-CN" dirty="0"/>
+          </a:p>
+          <a:p>
+            <a:pPr marL="285750" indent="-285750">
+              <a:buFont typeface="Arial" panose="020B0604020202020204" pitchFamily="34" charset="0"/>
+              <a:buChar char="•"/>
+            </a:pPr>
+            <a:r>
+              <a:rPr kumimoji="1" lang="zh-CN" altLang="en-US" dirty="0"/>
+              <a:t>横排文本框数字形式</a:t>
+            </a:r>
+            <a:endParaRPr kumimoji="1" lang="en-US" altLang="zh-CN" dirty="0"/>
+          </a:p>
+        </p:txBody>
+      </p:sp>
+      <p:sp>
+        <p:nvSpPr>
+          <p:cNvPr id="22" name="文本框 21">
+            <a:extLst>
+              <a:ext uri="{FF2B5EF4-FFF2-40B4-BE49-F238E27FC236}">
+                <a16:creationId xmlns:a16="http://schemas.microsoft.com/office/drawing/2014/main" id="{0916877E-CF7A-4D22-C2E9-519388D13B0B}"/>
+              </a:ext>
+            </a:extLst>
+          </p:cNvPr>
+          <p:cNvSpPr txBox="1"/>
+          <p:nvPr/>
+        </p:nvSpPr>
+        <p:spPr>
+          <a:xfrm>
+            <a:off x="8251373" y="5871944"/>
+            <a:ext cx="3298372" cy="861774"/>
+          </a:xfrm>
+          <a:prstGeom prst="rect">
+            <a:avLst/>
+          </a:prstGeom>
+          <a:noFill/>
+        </p:spPr>
+        <p:txBody>
+          <a:bodyPr wrap="square" rtlCol="0">
+            <a:spAutoFit/>
+          </a:bodyPr>
+          <a:lstStyle/>
+          <a:p>
+            <a:pPr marL="285750" indent="-285750">
+              <a:buFont typeface="Wingdings" pitchFamily="2" charset="2"/>
+              <a:buChar char="n"/>
+            </a:pPr>
+            <a:r>
+              <a:rPr kumimoji="1" lang="zh-CN" altLang="en-US" dirty="0"/>
+              <a:t>横排文本框数字形式</a:t>
+            </a:r>
+            <a:endParaRPr kumimoji="1" lang="en-US" altLang="zh-CN" dirty="0"/>
+          </a:p>
+          <a:p>
+            <a:pPr marL="742950" lvl="1" indent="-285750">
+              <a:buFont typeface="Wingdings" pitchFamily="2" charset="2"/>
+              <a:buChar char="n"/>
+            </a:pPr>
+            <a:r>
+              <a:rPr kumimoji="1" lang="zh-CN" altLang="en-US" dirty="0"/>
+              <a:t>顶顶顶顶</a:t>
+            </a:r>
+            <a:endParaRPr kumimoji="1" lang="en-US" altLang="zh-CN" dirty="0"/>
+          </a:p>
+          <a:p>
+            <a:pPr marL="1200150" lvl="2" indent="-285750">
+              <a:buFont typeface="Wingdings" pitchFamily="2" charset="2"/>
+              <a:buChar char="n"/>
+            </a:pPr>
+            <a:r>
+              <a:rPr kumimoji="1" lang="zh-CN" altLang="en-US" sz="1200" dirty="0"/>
+              <a:t>事实上事</a:t>
+            </a:r>
+            <a:endParaRPr kumimoji="1" lang="en-US" altLang="zh-CN" sz="1200" dirty="0"/>
+          </a:p>
+        </p:txBody>
+      </p:sp>
+    </p:spTree>
+    <p:extLst>
+      <p:ext uri="{BB962C8B-B14F-4D97-AF65-F5344CB8AC3E}">
+        <p14:creationId xmlns:p14="http://schemas.microsoft.com/office/powerpoint/2010/main" val="3549336826"/>
       </p:ext>
     </p:extLst>
   </p:cSld>
@@ -5370,12 +6220,72 @@
           <a:chExt cx="0" cy="0"/>
         </a:xfrm>
       </p:grpSpPr>
-      <p:sp>
-        <p:nvSpPr>
-          <p:cNvPr id="4" name="标题 6">
-            <a:extLst>
-              <a:ext uri="{FF2B5EF4-FFF2-40B4-BE49-F238E27FC236}">
-                <a16:creationId xmlns:a16="http://schemas.microsoft.com/office/drawing/2014/main" id="{7CEB9080-4F55-4944-7159-46D84610E8A9}"/>
+      <p:pic>
+        <p:nvPicPr>
+          <p:cNvPr id="3" name="图片 2">
+            <a:extLst>
+              <a:ext uri="{FF2B5EF4-FFF2-40B4-BE49-F238E27FC236}">
+                <a16:creationId xmlns:a16="http://schemas.microsoft.com/office/drawing/2014/main" id="{455C15A4-06B8-C54B-30A3-909E86155F9A}"/>
+              </a:ext>
+            </a:extLst>
+          </p:cNvPr>
+          <p:cNvPicPr>
+            <a:picLocks noChangeAspect="1"/>
+          </p:cNvPicPr>
+          <p:nvPr/>
+        </p:nvPicPr>
+        <p:blipFill>
+          <a:blip r:embed="rId2"/>
+          <a:stretch>
+            <a:fillRect/>
+          </a:stretch>
+        </p:blipFill>
+        <p:spPr>
+          <a:xfrm>
+            <a:off x="4298950" y="2451100"/>
+            <a:ext cx="3594100" cy="1955800"/>
+          </a:xfrm>
+          <a:prstGeom prst="rect">
+            <a:avLst/>
+          </a:prstGeom>
+        </p:spPr>
+      </p:pic>
+      <p:pic>
+        <p:nvPicPr>
+          <p:cNvPr id="13" name="图片 12">
+            <a:extLst>
+              <a:ext uri="{FF2B5EF4-FFF2-40B4-BE49-F238E27FC236}">
+                <a16:creationId xmlns:a16="http://schemas.microsoft.com/office/drawing/2014/main" id="{D5E063FB-93F7-4B7C-DC70-093ABB751F5D}"/>
+              </a:ext>
+            </a:extLst>
+          </p:cNvPr>
+          <p:cNvPicPr>
+            <a:picLocks noChangeAspect="1"/>
+          </p:cNvPicPr>
+          <p:nvPr/>
+        </p:nvPicPr>
+        <p:blipFill>
+          <a:blip r:embed="rId2"/>
+          <a:stretch>
+            <a:fillRect/>
+          </a:stretch>
+        </p:blipFill>
+        <p:spPr>
+          <a:xfrm>
+            <a:off x="1817007" y="2331358"/>
+            <a:ext cx="6499679" cy="3536928"/>
+          </a:xfrm>
+          <a:prstGeom prst="rect">
+            <a:avLst/>
+          </a:prstGeom>
+        </p:spPr>
+      </p:pic>
+      <p:sp>
+        <p:nvSpPr>
+          <p:cNvPr id="14" name="标题 6">
+            <a:extLst>
+              <a:ext uri="{FF2B5EF4-FFF2-40B4-BE49-F238E27FC236}">
+                <a16:creationId xmlns:a16="http://schemas.microsoft.com/office/drawing/2014/main" id="{84631FBC-43C7-2E69-9BD2-406106627613}"/>
               </a:ext>
             </a:extLst>
           </p:cNvPr>
@@ -5418,1446 +6328,9 @@
           </a:lstStyle>
           <a:p>
             <a:r>
-              <a:rPr lang="zh-CN" altLang="en-US"/>
-              <a:t>事实上事</a:t>
-            </a:r>
-            <a:endParaRPr lang="zh-CN" altLang="en-US" dirty="0"/>
-          </a:p>
-        </p:txBody>
-      </p:sp>
-      <p:sp>
-        <p:nvSpPr>
-          <p:cNvPr id="5" name="标题 6">
-            <a:extLst>
-              <a:ext uri="{FF2B5EF4-FFF2-40B4-BE49-F238E27FC236}">
-                <a16:creationId xmlns:a16="http://schemas.microsoft.com/office/drawing/2014/main" id="{B0C67531-2155-6D40-A25E-0F9EE4F8FA3F}"/>
-              </a:ext>
-            </a:extLst>
-          </p:cNvPr>
-          <p:cNvSpPr txBox="1">
-            <a:spLocks/>
-          </p:cNvSpPr>
-          <p:nvPr/>
-        </p:nvSpPr>
-        <p:spPr>
-          <a:xfrm>
-            <a:off x="838200" y="1665288"/>
-            <a:ext cx="3831771" cy="1325563"/>
-          </a:xfrm>
-          <a:prstGeom prst="rect">
-            <a:avLst/>
-          </a:prstGeom>
-        </p:spPr>
-        <p:txBody>
-          <a:bodyPr vert="horz" lIns="91440" tIns="45720" rIns="91440" bIns="45720" rtlCol="0" anchor="ctr">
-            <a:normAutofit/>
-          </a:bodyPr>
-          <a:lstStyle>
-            <a:lvl1pPr algn="l" defTabSz="914400" rtl="0" eaLnBrk="1" latinLnBrk="0" hangingPunct="1">
-              <a:lnSpc>
-                <a:spcPct val="90000"/>
-              </a:lnSpc>
-              <a:spcBef>
-                <a:spcPct val="0"/>
-              </a:spcBef>
-              <a:buNone/>
-              <a:defRPr sz="4400" kern="1200">
-                <a:solidFill>
-                  <a:schemeClr val="tx1"/>
-                </a:solidFill>
-                <a:latin typeface="+mj-lt"/>
-                <a:ea typeface="+mj-ea"/>
-                <a:cs typeface="+mj-cs"/>
-              </a:defRPr>
-            </a:lvl1pPr>
-          </a:lstStyle>
-          <a:p>
-            <a:r>
               <a:rPr lang="zh-CN" altLang="en-US" dirty="0"/>
-              <a:t>测试哈哈哈</a:t>
-            </a:r>
-          </a:p>
-        </p:txBody>
-      </p:sp>
-      <p:sp>
-        <p:nvSpPr>
-          <p:cNvPr id="6" name="文本框 5">
-            <a:extLst>
-              <a:ext uri="{FF2B5EF4-FFF2-40B4-BE49-F238E27FC236}">
-                <a16:creationId xmlns:a16="http://schemas.microsoft.com/office/drawing/2014/main" id="{E6A89045-57A8-298E-FDAF-5C231F530CCD}"/>
-              </a:ext>
-            </a:extLst>
-          </p:cNvPr>
-          <p:cNvSpPr txBox="1"/>
-          <p:nvPr/>
-        </p:nvSpPr>
-        <p:spPr>
-          <a:xfrm>
-            <a:off x="838200" y="2910918"/>
-            <a:ext cx="3298372" cy="369332"/>
-          </a:xfrm>
-          <a:prstGeom prst="rect">
-            <a:avLst/>
-          </a:prstGeom>
-          <a:noFill/>
-        </p:spPr>
-        <p:txBody>
-          <a:bodyPr wrap="square" rtlCol="0">
-            <a:spAutoFit/>
-          </a:bodyPr>
-          <a:lstStyle/>
-          <a:p>
-            <a:r>
-              <a:rPr kumimoji="1" lang="zh-CN" altLang="en-US" dirty="0"/>
-              <a:t>横排文本框</a:t>
-            </a:r>
-            <a:r>
-              <a:rPr kumimoji="1" lang="en-US" altLang="zh-CN" dirty="0"/>
-              <a:t>1</a:t>
-            </a:r>
-            <a:r>
-              <a:rPr kumimoji="1" lang="zh-CN" altLang="en-US" dirty="0"/>
-              <a:t>，普通文本框</a:t>
-            </a:r>
-          </a:p>
-        </p:txBody>
-      </p:sp>
-      <p:sp>
-        <p:nvSpPr>
-          <p:cNvPr id="7" name="文本框 6">
-            <a:extLst>
-              <a:ext uri="{FF2B5EF4-FFF2-40B4-BE49-F238E27FC236}">
-                <a16:creationId xmlns:a16="http://schemas.microsoft.com/office/drawing/2014/main" id="{DDC4E4E5-9CF2-41C9-48FD-1C3CF256157A}"/>
-              </a:ext>
-            </a:extLst>
-          </p:cNvPr>
-          <p:cNvSpPr txBox="1"/>
-          <p:nvPr/>
-        </p:nvSpPr>
-        <p:spPr>
-          <a:xfrm>
-            <a:off x="838200" y="3429000"/>
-            <a:ext cx="3298372" cy="646331"/>
-          </a:xfrm>
-          <a:prstGeom prst="rect">
-            <a:avLst/>
-          </a:prstGeom>
-          <a:noFill/>
-        </p:spPr>
-        <p:txBody>
-          <a:bodyPr wrap="square" rtlCol="0">
-            <a:spAutoFit/>
-          </a:bodyPr>
-          <a:lstStyle/>
-          <a:p>
-            <a:pPr marL="342900" indent="-342900">
-              <a:buFont typeface="+mj-lt"/>
-              <a:buAutoNum type="arabicPeriod"/>
-            </a:pPr>
-            <a:r>
-              <a:rPr kumimoji="1" lang="zh-CN" altLang="en-US" dirty="0"/>
-              <a:t>横排文本框数字形式</a:t>
-            </a:r>
-            <a:endParaRPr kumimoji="1" lang="en-US" altLang="zh-CN" dirty="0"/>
-          </a:p>
-          <a:p>
-            <a:pPr marL="342900" indent="-342900">
-              <a:buFont typeface="+mj-lt"/>
-              <a:buAutoNum type="arabicPeriod"/>
-            </a:pPr>
-            <a:r>
-              <a:rPr kumimoji="1" lang="zh-CN" altLang="en-US" dirty="0"/>
-              <a:t>横排文本框数字形式</a:t>
-            </a:r>
-            <a:endParaRPr kumimoji="1" lang="en-US" altLang="zh-CN" dirty="0"/>
-          </a:p>
-        </p:txBody>
-      </p:sp>
-      <p:sp>
-        <p:nvSpPr>
-          <p:cNvPr id="8" name="文本框 7">
-            <a:extLst>
-              <a:ext uri="{FF2B5EF4-FFF2-40B4-BE49-F238E27FC236}">
-                <a16:creationId xmlns:a16="http://schemas.microsoft.com/office/drawing/2014/main" id="{CF489A2C-F583-BD3D-EC0D-9AC8E22DCF00}"/>
-              </a:ext>
-            </a:extLst>
-          </p:cNvPr>
-          <p:cNvSpPr txBox="1"/>
-          <p:nvPr/>
-        </p:nvSpPr>
-        <p:spPr>
-          <a:xfrm>
-            <a:off x="838200" y="4202714"/>
-            <a:ext cx="3298372" cy="646331"/>
-          </a:xfrm>
-          <a:prstGeom prst="rect">
-            <a:avLst/>
-          </a:prstGeom>
-          <a:noFill/>
-        </p:spPr>
-        <p:txBody>
-          <a:bodyPr wrap="square" rtlCol="0">
-            <a:spAutoFit/>
-          </a:bodyPr>
-          <a:lstStyle/>
-          <a:p>
-            <a:pPr marL="342900" indent="-342900">
-              <a:buFont typeface="+mj-ea"/>
-              <a:buAutoNum type="circleNumDbPlain"/>
-            </a:pPr>
-            <a:r>
-              <a:rPr kumimoji="1" lang="zh-CN" altLang="en-US" dirty="0"/>
-              <a:t>横排文本框数字形式</a:t>
-            </a:r>
-            <a:endParaRPr kumimoji="1" lang="en-US" altLang="zh-CN" dirty="0"/>
-          </a:p>
-          <a:p>
-            <a:pPr marL="342900" indent="-342900">
-              <a:buFont typeface="+mj-ea"/>
-              <a:buAutoNum type="circleNumDbPlain"/>
-            </a:pPr>
-            <a:r>
-              <a:rPr kumimoji="1" lang="zh-CN" altLang="en-US" dirty="0"/>
-              <a:t>横排文本框数字形式</a:t>
-            </a:r>
-            <a:endParaRPr kumimoji="1" lang="en-US" altLang="zh-CN" dirty="0"/>
-          </a:p>
-        </p:txBody>
-      </p:sp>
-      <p:sp>
-        <p:nvSpPr>
-          <p:cNvPr id="9" name="文本框 8">
-            <a:extLst>
-              <a:ext uri="{FF2B5EF4-FFF2-40B4-BE49-F238E27FC236}">
-                <a16:creationId xmlns:a16="http://schemas.microsoft.com/office/drawing/2014/main" id="{8BFE807C-A2C2-378C-CFB8-0EB6AF531DE5}"/>
-              </a:ext>
-            </a:extLst>
-          </p:cNvPr>
-          <p:cNvSpPr txBox="1"/>
-          <p:nvPr/>
-        </p:nvSpPr>
-        <p:spPr>
-          <a:xfrm>
-            <a:off x="838200" y="4976428"/>
-            <a:ext cx="3298372" cy="646331"/>
-          </a:xfrm>
-          <a:prstGeom prst="rect">
-            <a:avLst/>
-          </a:prstGeom>
-          <a:noFill/>
-        </p:spPr>
-        <p:txBody>
-          <a:bodyPr wrap="square" rtlCol="0">
-            <a:spAutoFit/>
-          </a:bodyPr>
-          <a:lstStyle/>
-          <a:p>
-            <a:pPr marL="400050" indent="-400050">
-              <a:buFont typeface="+mj-lt"/>
-              <a:buAutoNum type="romanUcPeriod"/>
-            </a:pPr>
-            <a:r>
-              <a:rPr kumimoji="1" lang="zh-CN" altLang="en-US" dirty="0"/>
-              <a:t>横排文本框数字形式</a:t>
-            </a:r>
-            <a:endParaRPr kumimoji="1" lang="en-US" altLang="zh-CN" dirty="0"/>
-          </a:p>
-          <a:p>
-            <a:pPr marL="400050" indent="-400050">
-              <a:buFont typeface="+mj-lt"/>
-              <a:buAutoNum type="romanUcPeriod"/>
-            </a:pPr>
-            <a:r>
-              <a:rPr kumimoji="1" lang="zh-CN" altLang="en-US" dirty="0"/>
-              <a:t>横排文本框数字形式</a:t>
-            </a:r>
-            <a:endParaRPr kumimoji="1" lang="en-US" altLang="zh-CN" dirty="0"/>
-          </a:p>
-        </p:txBody>
-      </p:sp>
-      <p:sp>
-        <p:nvSpPr>
-          <p:cNvPr id="10" name="文本框 9">
-            <a:extLst>
-              <a:ext uri="{FF2B5EF4-FFF2-40B4-BE49-F238E27FC236}">
-                <a16:creationId xmlns:a16="http://schemas.microsoft.com/office/drawing/2014/main" id="{A49B39B3-7677-B0E8-94B5-9AB13FEA9D31}"/>
-              </a:ext>
-            </a:extLst>
-          </p:cNvPr>
-          <p:cNvSpPr txBox="1"/>
-          <p:nvPr/>
-        </p:nvSpPr>
-        <p:spPr>
-          <a:xfrm>
-            <a:off x="838200" y="5871944"/>
-            <a:ext cx="3298372" cy="646331"/>
-          </a:xfrm>
-          <a:prstGeom prst="rect">
-            <a:avLst/>
-          </a:prstGeom>
-          <a:noFill/>
-        </p:spPr>
-        <p:txBody>
-          <a:bodyPr wrap="square" rtlCol="0">
-            <a:spAutoFit/>
-          </a:bodyPr>
-          <a:lstStyle/>
-          <a:p>
-            <a:pPr marL="342900" indent="-342900">
-              <a:buFont typeface="+mj-lt"/>
-              <a:buAutoNum type="alphaUcPeriod"/>
-            </a:pPr>
-            <a:r>
-              <a:rPr kumimoji="1" lang="zh-CN" altLang="en-US" dirty="0"/>
-              <a:t>横排文本框数字形式</a:t>
-            </a:r>
-            <a:endParaRPr kumimoji="1" lang="en-US" altLang="zh-CN" dirty="0"/>
-          </a:p>
-          <a:p>
-            <a:pPr marL="342900" indent="-342900">
-              <a:buFont typeface="+mj-lt"/>
-              <a:buAutoNum type="alphaUcPeriod"/>
-            </a:pPr>
-            <a:r>
-              <a:rPr kumimoji="1" lang="zh-CN" altLang="en-US" dirty="0"/>
-              <a:t>横排文本框数字形式</a:t>
-            </a:r>
-            <a:endParaRPr kumimoji="1" lang="en-US" altLang="zh-CN" dirty="0"/>
-          </a:p>
-        </p:txBody>
-      </p:sp>
-      <p:sp>
-        <p:nvSpPr>
-          <p:cNvPr id="11" name="文本框 10">
-            <a:extLst>
-              <a:ext uri="{FF2B5EF4-FFF2-40B4-BE49-F238E27FC236}">
-                <a16:creationId xmlns:a16="http://schemas.microsoft.com/office/drawing/2014/main" id="{2A7376DC-8417-9773-2DBD-852021EF3101}"/>
-              </a:ext>
-            </a:extLst>
-          </p:cNvPr>
-          <p:cNvSpPr txBox="1"/>
-          <p:nvPr/>
-        </p:nvSpPr>
-        <p:spPr>
-          <a:xfrm>
-            <a:off x="4419602" y="1886507"/>
-            <a:ext cx="3298372" cy="646331"/>
-          </a:xfrm>
-          <a:prstGeom prst="rect">
-            <a:avLst/>
-          </a:prstGeom>
-          <a:noFill/>
-        </p:spPr>
-        <p:txBody>
-          <a:bodyPr wrap="square" rtlCol="0">
-            <a:spAutoFit/>
-          </a:bodyPr>
-          <a:lstStyle/>
-          <a:p>
-            <a:pPr marL="342900" indent="-342900">
-              <a:buFont typeface="+mj-lt"/>
-              <a:buAutoNum type="alphaLcParenR"/>
-            </a:pPr>
-            <a:r>
-              <a:rPr kumimoji="1" lang="zh-CN" altLang="en-US" dirty="0"/>
-              <a:t>横排文本框数字形式</a:t>
-            </a:r>
-            <a:endParaRPr kumimoji="1" lang="en-US" altLang="zh-CN" dirty="0"/>
-          </a:p>
-          <a:p>
-            <a:pPr marL="342900" indent="-342900">
-              <a:buFont typeface="+mj-lt"/>
-              <a:buAutoNum type="alphaLcParenR"/>
-            </a:pPr>
-            <a:r>
-              <a:rPr kumimoji="1" lang="zh-CN" altLang="en-US" dirty="0"/>
-              <a:t>横排文本框数字形式</a:t>
-            </a:r>
-            <a:endParaRPr kumimoji="1" lang="en-US" altLang="zh-CN" dirty="0"/>
-          </a:p>
-        </p:txBody>
-      </p:sp>
-      <p:sp>
-        <p:nvSpPr>
-          <p:cNvPr id="12" name="文本框 11">
-            <a:extLst>
-              <a:ext uri="{FF2B5EF4-FFF2-40B4-BE49-F238E27FC236}">
-                <a16:creationId xmlns:a16="http://schemas.microsoft.com/office/drawing/2014/main" id="{594303A0-D623-75B5-DFBB-5B448808433D}"/>
-              </a:ext>
-            </a:extLst>
-          </p:cNvPr>
-          <p:cNvSpPr txBox="1"/>
-          <p:nvPr/>
-        </p:nvSpPr>
-        <p:spPr>
-          <a:xfrm>
-            <a:off x="4419602" y="2936841"/>
-            <a:ext cx="3298372" cy="646331"/>
-          </a:xfrm>
-          <a:prstGeom prst="rect">
-            <a:avLst/>
-          </a:prstGeom>
-          <a:noFill/>
-        </p:spPr>
-        <p:txBody>
-          <a:bodyPr wrap="square" rtlCol="0">
-            <a:spAutoFit/>
-          </a:bodyPr>
-          <a:lstStyle/>
-          <a:p>
-            <a:pPr marL="342900" indent="-342900">
-              <a:buFont typeface="+mj-lt"/>
-              <a:buAutoNum type="alphaLcPeriod"/>
-            </a:pPr>
-            <a:r>
-              <a:rPr kumimoji="1" lang="zh-CN" altLang="en-US" dirty="0"/>
-              <a:t>横排文本框数字形式</a:t>
-            </a:r>
-            <a:endParaRPr kumimoji="1" lang="en-US" altLang="zh-CN" dirty="0"/>
-          </a:p>
-          <a:p>
-            <a:pPr marL="342900" indent="-342900">
-              <a:buFont typeface="+mj-lt"/>
-              <a:buAutoNum type="alphaLcPeriod"/>
-            </a:pPr>
-            <a:r>
-              <a:rPr kumimoji="1" lang="zh-CN" altLang="en-US" dirty="0"/>
-              <a:t>横排文本框数字形式</a:t>
-            </a:r>
-            <a:endParaRPr kumimoji="1" lang="en-US" altLang="zh-CN" dirty="0"/>
-          </a:p>
-        </p:txBody>
-      </p:sp>
-      <p:sp>
-        <p:nvSpPr>
-          <p:cNvPr id="13" name="文本框 12">
-            <a:extLst>
-              <a:ext uri="{FF2B5EF4-FFF2-40B4-BE49-F238E27FC236}">
-                <a16:creationId xmlns:a16="http://schemas.microsoft.com/office/drawing/2014/main" id="{3669D41C-E71F-40B7-E864-4235622AF827}"/>
-              </a:ext>
-            </a:extLst>
-          </p:cNvPr>
-          <p:cNvSpPr txBox="1"/>
-          <p:nvPr/>
-        </p:nvSpPr>
-        <p:spPr>
-          <a:xfrm>
-            <a:off x="4419602" y="3778931"/>
-            <a:ext cx="3298372" cy="646331"/>
-          </a:xfrm>
-          <a:prstGeom prst="rect">
-            <a:avLst/>
-          </a:prstGeom>
-          <a:noFill/>
-        </p:spPr>
-        <p:txBody>
-          <a:bodyPr wrap="square" rtlCol="0">
-            <a:spAutoFit/>
-          </a:bodyPr>
-          <a:lstStyle/>
-          <a:p>
-            <a:pPr marL="400050" indent="-400050">
-              <a:buFont typeface="+mj-ea"/>
-              <a:buAutoNum type="ea1JpnChsDbPeriod"/>
-            </a:pPr>
-            <a:r>
-              <a:rPr kumimoji="1" lang="zh-CN" altLang="en-US" dirty="0"/>
-              <a:t>横排文本框数字形式</a:t>
-            </a:r>
-            <a:endParaRPr kumimoji="1" lang="en-US" altLang="zh-CN" dirty="0"/>
-          </a:p>
-          <a:p>
-            <a:pPr marL="400050" indent="-400050">
-              <a:buFont typeface="+mj-ea"/>
-              <a:buAutoNum type="ea1JpnChsDbPeriod"/>
-            </a:pPr>
-            <a:r>
-              <a:rPr kumimoji="1" lang="zh-CN" altLang="en-US" dirty="0"/>
-              <a:t>横排文本框数字形式</a:t>
-            </a:r>
-            <a:endParaRPr kumimoji="1" lang="en-US" altLang="zh-CN" dirty="0"/>
-          </a:p>
-        </p:txBody>
-      </p:sp>
-      <p:sp>
-        <p:nvSpPr>
-          <p:cNvPr id="14" name="文本框 13">
-            <a:extLst>
-              <a:ext uri="{FF2B5EF4-FFF2-40B4-BE49-F238E27FC236}">
-                <a16:creationId xmlns:a16="http://schemas.microsoft.com/office/drawing/2014/main" id="{CC0E5F88-F594-D0B7-7A09-A855A3810028}"/>
-              </a:ext>
-            </a:extLst>
-          </p:cNvPr>
-          <p:cNvSpPr txBox="1"/>
-          <p:nvPr/>
-        </p:nvSpPr>
-        <p:spPr>
-          <a:xfrm>
-            <a:off x="4419602" y="4654608"/>
-            <a:ext cx="3298372" cy="1754326"/>
-          </a:xfrm>
-          <a:prstGeom prst="rect">
-            <a:avLst/>
-          </a:prstGeom>
-          <a:noFill/>
-        </p:spPr>
-        <p:txBody>
-          <a:bodyPr wrap="square" rtlCol="0">
-            <a:spAutoFit/>
-          </a:bodyPr>
-          <a:lstStyle/>
-          <a:p>
-            <a:pPr marL="342900" indent="-342900">
-              <a:buFont typeface="+mj-lt"/>
-              <a:buAutoNum type="arabicPeriod"/>
-            </a:pPr>
-            <a:r>
-              <a:rPr kumimoji="1" lang="zh-CN" altLang="en-US" dirty="0"/>
-              <a:t>横排文本框数字形式</a:t>
-            </a:r>
-            <a:endParaRPr kumimoji="1" lang="en-US" altLang="zh-CN" dirty="0"/>
-          </a:p>
-          <a:p>
-            <a:pPr marL="800100" lvl="1" indent="-342900">
-              <a:buFont typeface="+mj-lt"/>
-              <a:buAutoNum type="arabicPeriod"/>
-            </a:pPr>
-            <a:r>
-              <a:rPr kumimoji="1" lang="zh-CN" altLang="en-US" dirty="0"/>
-              <a:t>子节点</a:t>
-            </a:r>
-            <a:r>
-              <a:rPr kumimoji="1" lang="en-US" altLang="zh-CN" dirty="0"/>
-              <a:t>1</a:t>
-            </a:r>
-          </a:p>
-          <a:p>
-            <a:pPr marL="1257300" lvl="2" indent="-342900">
-              <a:buFont typeface="+mj-lt"/>
-              <a:buAutoNum type="arabicPeriod"/>
-            </a:pPr>
-            <a:r>
-              <a:rPr kumimoji="1" lang="zh-CN" altLang="en-US" dirty="0"/>
-              <a:t>三级</a:t>
-            </a:r>
-            <a:endParaRPr kumimoji="1" lang="en-US" altLang="zh-CN" dirty="0"/>
-          </a:p>
-          <a:p>
-            <a:pPr marL="1714500" lvl="3" indent="-342900">
-              <a:buFont typeface="+mj-lt"/>
-              <a:buAutoNum type="arabicPeriod"/>
-            </a:pPr>
-            <a:r>
-              <a:rPr kumimoji="1" lang="zh-CN" altLang="en-US" dirty="0"/>
-              <a:t>司机</a:t>
-            </a:r>
-            <a:endParaRPr kumimoji="1" lang="en-US" altLang="zh-CN" dirty="0"/>
-          </a:p>
-          <a:p>
-            <a:pPr marL="800100" lvl="1" indent="-342900">
-              <a:buFont typeface="+mj-lt"/>
-              <a:buAutoNum type="arabicPeriod"/>
-            </a:pPr>
-            <a:r>
-              <a:rPr kumimoji="1" lang="zh-CN" altLang="en-US" dirty="0"/>
-              <a:t>子节点</a:t>
-            </a:r>
-            <a:r>
-              <a:rPr kumimoji="1" lang="en-US" altLang="zh-CN" dirty="0"/>
-              <a:t>2</a:t>
-            </a:r>
-          </a:p>
-          <a:p>
-            <a:pPr marL="342900" indent="-342900">
-              <a:buFont typeface="+mj-lt"/>
-              <a:buAutoNum type="arabicPeriod"/>
-            </a:pPr>
-            <a:r>
-              <a:rPr kumimoji="1" lang="zh-CN" altLang="en-US" dirty="0"/>
-              <a:t>横排文本框数字形式</a:t>
-            </a:r>
-            <a:endParaRPr kumimoji="1" lang="en-US" altLang="zh-CN" dirty="0"/>
-          </a:p>
-        </p:txBody>
-      </p:sp>
-      <p:sp>
-        <p:nvSpPr>
-          <p:cNvPr id="15" name="文本框 14">
-            <a:extLst>
-              <a:ext uri="{FF2B5EF4-FFF2-40B4-BE49-F238E27FC236}">
-                <a16:creationId xmlns:a16="http://schemas.microsoft.com/office/drawing/2014/main" id="{CA057360-7519-E4DA-EBB8-3E64EB33D1BB}"/>
-              </a:ext>
-            </a:extLst>
-          </p:cNvPr>
-          <p:cNvSpPr txBox="1"/>
-          <p:nvPr/>
-        </p:nvSpPr>
-        <p:spPr>
-          <a:xfrm>
-            <a:off x="8251373" y="157866"/>
-            <a:ext cx="3298372" cy="646331"/>
-          </a:xfrm>
-          <a:prstGeom prst="rect">
-            <a:avLst/>
-          </a:prstGeom>
-          <a:noFill/>
-        </p:spPr>
-        <p:txBody>
-          <a:bodyPr wrap="square" rtlCol="0">
-            <a:spAutoFit/>
-          </a:bodyPr>
-          <a:lstStyle/>
-          <a:p>
-            <a:pPr marL="285750" indent="-285750">
-              <a:buFont typeface="Wingdings" pitchFamily="2" charset="2"/>
-              <a:buChar char="l"/>
-            </a:pPr>
-            <a:r>
-              <a:rPr kumimoji="1" lang="zh-CN" altLang="en-US" dirty="0"/>
-              <a:t>横排文本框数字形式</a:t>
-            </a:r>
-            <a:endParaRPr kumimoji="1" lang="en-US" altLang="zh-CN" dirty="0"/>
-          </a:p>
-          <a:p>
-            <a:pPr marL="285750" indent="-285750">
-              <a:buFont typeface="Wingdings" pitchFamily="2" charset="2"/>
-              <a:buChar char="l"/>
-            </a:pPr>
-            <a:r>
-              <a:rPr kumimoji="1" lang="zh-CN" altLang="en-US" dirty="0"/>
-              <a:t>横排文本框数字形式</a:t>
-            </a:r>
-            <a:endParaRPr kumimoji="1" lang="en-US" altLang="zh-CN" dirty="0"/>
-          </a:p>
-        </p:txBody>
-      </p:sp>
-      <p:sp>
-        <p:nvSpPr>
-          <p:cNvPr id="16" name="文本框 15">
-            <a:extLst>
-              <a:ext uri="{FF2B5EF4-FFF2-40B4-BE49-F238E27FC236}">
-                <a16:creationId xmlns:a16="http://schemas.microsoft.com/office/drawing/2014/main" id="{E537225B-2055-E86C-2504-D8B72027297B}"/>
-              </a:ext>
-            </a:extLst>
-          </p:cNvPr>
-          <p:cNvSpPr txBox="1"/>
-          <p:nvPr/>
-        </p:nvSpPr>
-        <p:spPr>
-          <a:xfrm>
-            <a:off x="8278589" y="1018668"/>
-            <a:ext cx="3298372" cy="646331"/>
-          </a:xfrm>
-          <a:prstGeom prst="rect">
-            <a:avLst/>
-          </a:prstGeom>
-          <a:noFill/>
-        </p:spPr>
-        <p:txBody>
-          <a:bodyPr wrap="square" rtlCol="0">
-            <a:spAutoFit/>
-          </a:bodyPr>
-          <a:lstStyle/>
-          <a:p>
-            <a:pPr marL="285750" indent="-285750">
-              <a:buFont typeface="Wingdings" pitchFamily="2" charset="2"/>
-              <a:buChar char="n"/>
-            </a:pPr>
-            <a:r>
-              <a:rPr kumimoji="1" lang="zh-CN" altLang="en-US" dirty="0"/>
-              <a:t>横排文本框数字形式</a:t>
-            </a:r>
-            <a:endParaRPr kumimoji="1" lang="en-US" altLang="zh-CN" dirty="0"/>
-          </a:p>
-          <a:p>
-            <a:pPr marL="285750" indent="-285750">
-              <a:buFont typeface="Wingdings" pitchFamily="2" charset="2"/>
-              <a:buChar char="n"/>
-            </a:pPr>
-            <a:r>
-              <a:rPr kumimoji="1" lang="zh-CN" altLang="en-US" dirty="0"/>
-              <a:t>横排文本框数字形式</a:t>
-            </a:r>
-            <a:endParaRPr kumimoji="1" lang="en-US" altLang="zh-CN" dirty="0"/>
-          </a:p>
-        </p:txBody>
-      </p:sp>
-      <p:sp>
-        <p:nvSpPr>
-          <p:cNvPr id="17" name="文本框 16">
-            <a:extLst>
-              <a:ext uri="{FF2B5EF4-FFF2-40B4-BE49-F238E27FC236}">
-                <a16:creationId xmlns:a16="http://schemas.microsoft.com/office/drawing/2014/main" id="{08224034-AABD-7DB5-846E-04B6396BC674}"/>
-              </a:ext>
-            </a:extLst>
-          </p:cNvPr>
-          <p:cNvSpPr txBox="1"/>
-          <p:nvPr/>
-        </p:nvSpPr>
-        <p:spPr>
-          <a:xfrm>
-            <a:off x="8311244" y="1908602"/>
-            <a:ext cx="3298372" cy="646331"/>
-          </a:xfrm>
-          <a:prstGeom prst="rect">
-            <a:avLst/>
-          </a:prstGeom>
-          <a:noFill/>
-        </p:spPr>
-        <p:txBody>
-          <a:bodyPr wrap="square" rtlCol="0">
-            <a:spAutoFit/>
-          </a:bodyPr>
-          <a:lstStyle/>
-          <a:p>
-            <a:pPr marL="285750" indent="-285750">
-              <a:buFont typeface="Wingdings" pitchFamily="2" charset="2"/>
-              <a:buChar char="u"/>
-            </a:pPr>
-            <a:r>
-              <a:rPr kumimoji="1" lang="zh-CN" altLang="en-US" dirty="0"/>
-              <a:t>横排文本框数字形式</a:t>
-            </a:r>
-            <a:endParaRPr kumimoji="1" lang="en-US" altLang="zh-CN" dirty="0"/>
-          </a:p>
-          <a:p>
-            <a:pPr marL="285750" indent="-285750">
-              <a:buFont typeface="Wingdings" pitchFamily="2" charset="2"/>
-              <a:buChar char="u"/>
-            </a:pPr>
-            <a:r>
-              <a:rPr kumimoji="1" lang="zh-CN" altLang="en-US" dirty="0"/>
-              <a:t>横排文本框数字形式</a:t>
-            </a:r>
-            <a:endParaRPr kumimoji="1" lang="en-US" altLang="zh-CN" dirty="0"/>
-          </a:p>
-        </p:txBody>
-      </p:sp>
-      <p:sp>
-        <p:nvSpPr>
-          <p:cNvPr id="18" name="文本框 17">
-            <a:extLst>
-              <a:ext uri="{FF2B5EF4-FFF2-40B4-BE49-F238E27FC236}">
-                <a16:creationId xmlns:a16="http://schemas.microsoft.com/office/drawing/2014/main" id="{8A2555A2-3894-6234-9CAB-BA46946F23C9}"/>
-              </a:ext>
-            </a:extLst>
-          </p:cNvPr>
-          <p:cNvSpPr txBox="1"/>
-          <p:nvPr/>
-        </p:nvSpPr>
-        <p:spPr>
-          <a:xfrm>
-            <a:off x="8311244" y="2669855"/>
-            <a:ext cx="3298372" cy="646331"/>
-          </a:xfrm>
-          <a:prstGeom prst="rect">
-            <a:avLst/>
-          </a:prstGeom>
-          <a:noFill/>
-        </p:spPr>
-        <p:txBody>
-          <a:bodyPr wrap="square" rtlCol="0">
-            <a:spAutoFit/>
-          </a:bodyPr>
-          <a:lstStyle/>
-          <a:p>
-            <a:pPr marL="285750" indent="-285750">
-              <a:buFont typeface="Wingdings" pitchFamily="2" charset="2"/>
-              <a:buChar char="p"/>
-            </a:pPr>
-            <a:r>
-              <a:rPr kumimoji="1" lang="zh-CN" altLang="en-US" dirty="0"/>
-              <a:t>横排文本框数字形式</a:t>
-            </a:r>
-            <a:endParaRPr kumimoji="1" lang="en-US" altLang="zh-CN" dirty="0"/>
-          </a:p>
-          <a:p>
-            <a:pPr marL="285750" indent="-285750">
-              <a:buFont typeface="Wingdings" pitchFamily="2" charset="2"/>
-              <a:buChar char="p"/>
-            </a:pPr>
-            <a:r>
-              <a:rPr kumimoji="1" lang="zh-CN" altLang="en-US" dirty="0"/>
-              <a:t>横排文本框数字形式</a:t>
-            </a:r>
-            <a:endParaRPr kumimoji="1" lang="en-US" altLang="zh-CN" dirty="0"/>
-          </a:p>
-        </p:txBody>
-      </p:sp>
-      <p:sp>
-        <p:nvSpPr>
-          <p:cNvPr id="19" name="文本框 18">
-            <a:extLst>
-              <a:ext uri="{FF2B5EF4-FFF2-40B4-BE49-F238E27FC236}">
-                <a16:creationId xmlns:a16="http://schemas.microsoft.com/office/drawing/2014/main" id="{185BFD3E-D223-B6E5-ACBA-45752C771332}"/>
-              </a:ext>
-            </a:extLst>
-          </p:cNvPr>
-          <p:cNvSpPr txBox="1"/>
-          <p:nvPr/>
-        </p:nvSpPr>
-        <p:spPr>
-          <a:xfrm>
-            <a:off x="8311244" y="3455765"/>
-            <a:ext cx="3298372" cy="646331"/>
-          </a:xfrm>
-          <a:prstGeom prst="rect">
-            <a:avLst/>
-          </a:prstGeom>
-          <a:noFill/>
-        </p:spPr>
-        <p:txBody>
-          <a:bodyPr wrap="square" rtlCol="0">
-            <a:spAutoFit/>
-          </a:bodyPr>
-          <a:lstStyle/>
-          <a:p>
-            <a:pPr marL="285750" indent="-285750">
-              <a:buFont typeface="Wingdings" pitchFamily="2" charset="2"/>
-              <a:buChar char="ü"/>
-            </a:pPr>
-            <a:r>
-              <a:rPr kumimoji="1" lang="zh-CN" altLang="en-US" dirty="0"/>
-              <a:t>横排文本框数字形式</a:t>
-            </a:r>
-            <a:endParaRPr kumimoji="1" lang="en-US" altLang="zh-CN" dirty="0"/>
-          </a:p>
-          <a:p>
-            <a:pPr marL="285750" indent="-285750">
-              <a:buFont typeface="Wingdings" pitchFamily="2" charset="2"/>
-              <a:buChar char="ü"/>
-            </a:pPr>
-            <a:r>
-              <a:rPr kumimoji="1" lang="zh-CN" altLang="en-US" dirty="0"/>
-              <a:t>横排文本框数字形式</a:t>
-            </a:r>
-            <a:endParaRPr kumimoji="1" lang="en-US" altLang="zh-CN" dirty="0"/>
-          </a:p>
-        </p:txBody>
-      </p:sp>
-      <p:sp>
-        <p:nvSpPr>
-          <p:cNvPr id="20" name="文本框 19">
-            <a:extLst>
-              <a:ext uri="{FF2B5EF4-FFF2-40B4-BE49-F238E27FC236}">
-                <a16:creationId xmlns:a16="http://schemas.microsoft.com/office/drawing/2014/main" id="{210532E4-B98F-2BB9-9E06-D22766E4A864}"/>
-              </a:ext>
-            </a:extLst>
-          </p:cNvPr>
-          <p:cNvSpPr txBox="1"/>
-          <p:nvPr/>
-        </p:nvSpPr>
-        <p:spPr>
-          <a:xfrm>
-            <a:off x="8278589" y="4202714"/>
-            <a:ext cx="3298372" cy="646331"/>
-          </a:xfrm>
-          <a:prstGeom prst="rect">
-            <a:avLst/>
-          </a:prstGeom>
-          <a:noFill/>
-        </p:spPr>
-        <p:txBody>
-          <a:bodyPr wrap="square" rtlCol="0">
-            <a:spAutoFit/>
-          </a:bodyPr>
-          <a:lstStyle/>
-          <a:p>
-            <a:pPr marL="285750" indent="-285750">
-              <a:buFont typeface="Wingdings" pitchFamily="2" charset="2"/>
-              <a:buChar char="Ø"/>
-            </a:pPr>
-            <a:r>
-              <a:rPr kumimoji="1" lang="zh-CN" altLang="en-US" dirty="0"/>
-              <a:t>横排文本框数字形式</a:t>
-            </a:r>
-            <a:endParaRPr kumimoji="1" lang="en-US" altLang="zh-CN" dirty="0"/>
-          </a:p>
-          <a:p>
-            <a:pPr marL="285750" indent="-285750">
-              <a:buFont typeface="Wingdings" pitchFamily="2" charset="2"/>
-              <a:buChar char="Ø"/>
-            </a:pPr>
-            <a:r>
-              <a:rPr kumimoji="1" lang="zh-CN" altLang="en-US" dirty="0"/>
-              <a:t>横排文本框数字形式</a:t>
-            </a:r>
-            <a:endParaRPr kumimoji="1" lang="en-US" altLang="zh-CN" dirty="0"/>
-          </a:p>
-        </p:txBody>
-      </p:sp>
-      <p:sp>
-        <p:nvSpPr>
-          <p:cNvPr id="21" name="文本框 20">
-            <a:extLst>
-              <a:ext uri="{FF2B5EF4-FFF2-40B4-BE49-F238E27FC236}">
-                <a16:creationId xmlns:a16="http://schemas.microsoft.com/office/drawing/2014/main" id="{CFEBAD08-F8E2-FE97-456C-F217B50C0E11}"/>
-              </a:ext>
-            </a:extLst>
-          </p:cNvPr>
-          <p:cNvSpPr txBox="1"/>
-          <p:nvPr/>
-        </p:nvSpPr>
-        <p:spPr>
-          <a:xfrm>
-            <a:off x="8278589" y="4988624"/>
-            <a:ext cx="3298372" cy="646331"/>
-          </a:xfrm>
-          <a:prstGeom prst="rect">
-            <a:avLst/>
-          </a:prstGeom>
-          <a:noFill/>
-        </p:spPr>
-        <p:txBody>
-          <a:bodyPr wrap="square" rtlCol="0">
-            <a:spAutoFit/>
-          </a:bodyPr>
-          <a:lstStyle/>
-          <a:p>
-            <a:pPr marL="285750" indent="-285750">
-              <a:buFont typeface="Arial" panose="020B0604020202020204" pitchFamily="34" charset="0"/>
-              <a:buChar char="•"/>
-            </a:pPr>
-            <a:r>
-              <a:rPr kumimoji="1" lang="zh-CN" altLang="en-US" dirty="0"/>
-              <a:t>横排文本框数字形式</a:t>
-            </a:r>
-            <a:endParaRPr kumimoji="1" lang="en-US" altLang="zh-CN" dirty="0"/>
-          </a:p>
-          <a:p>
-            <a:pPr marL="285750" indent="-285750">
-              <a:buFont typeface="Arial" panose="020B0604020202020204" pitchFamily="34" charset="0"/>
-              <a:buChar char="•"/>
-            </a:pPr>
-            <a:r>
-              <a:rPr kumimoji="1" lang="zh-CN" altLang="en-US" dirty="0"/>
-              <a:t>横排文本框数字形式</a:t>
-            </a:r>
-            <a:endParaRPr kumimoji="1" lang="en-US" altLang="zh-CN" dirty="0"/>
-          </a:p>
-        </p:txBody>
-      </p:sp>
-      <p:sp>
-        <p:nvSpPr>
-          <p:cNvPr id="22" name="文本框 21">
-            <a:extLst>
-              <a:ext uri="{FF2B5EF4-FFF2-40B4-BE49-F238E27FC236}">
-                <a16:creationId xmlns:a16="http://schemas.microsoft.com/office/drawing/2014/main" id="{0916877E-CF7A-4D22-C2E9-519388D13B0B}"/>
-              </a:ext>
-            </a:extLst>
-          </p:cNvPr>
-          <p:cNvSpPr txBox="1"/>
-          <p:nvPr/>
-        </p:nvSpPr>
-        <p:spPr>
-          <a:xfrm>
-            <a:off x="8251373" y="5871944"/>
-            <a:ext cx="3298372" cy="861774"/>
-          </a:xfrm>
-          <a:prstGeom prst="rect">
-            <a:avLst/>
-          </a:prstGeom>
-          <a:noFill/>
-        </p:spPr>
-        <p:txBody>
-          <a:bodyPr wrap="square" rtlCol="0">
-            <a:spAutoFit/>
-          </a:bodyPr>
-          <a:lstStyle/>
-          <a:p>
-            <a:pPr marL="285750" indent="-285750">
-              <a:buFont typeface="Wingdings" pitchFamily="2" charset="2"/>
-              <a:buChar char="n"/>
-            </a:pPr>
-            <a:r>
-              <a:rPr kumimoji="1" lang="zh-CN" altLang="en-US" dirty="0"/>
-              <a:t>横排文本框数字形式</a:t>
-            </a:r>
-            <a:endParaRPr kumimoji="1" lang="en-US" altLang="zh-CN" dirty="0"/>
-          </a:p>
-          <a:p>
-            <a:pPr marL="742950" lvl="1" indent="-285750">
-              <a:buFont typeface="Wingdings" pitchFamily="2" charset="2"/>
-              <a:buChar char="n"/>
-            </a:pPr>
-            <a:r>
-              <a:rPr kumimoji="1" lang="zh-CN" altLang="en-US" dirty="0"/>
-              <a:t>顶顶顶顶</a:t>
-            </a:r>
-            <a:endParaRPr kumimoji="1" lang="en-US" altLang="zh-CN" dirty="0"/>
-          </a:p>
-          <a:p>
-            <a:pPr marL="1200150" lvl="2" indent="-285750">
-              <a:buFont typeface="Wingdings" pitchFamily="2" charset="2"/>
-              <a:buChar char="n"/>
-            </a:pPr>
-            <a:r>
-              <a:rPr kumimoji="1" lang="zh-CN" altLang="en-US" sz="1200" dirty="0"/>
-              <a:t>事实上事</a:t>
-            </a:r>
-            <a:endParaRPr kumimoji="1" lang="en-US" altLang="zh-CN" sz="1200" dirty="0"/>
-          </a:p>
-        </p:txBody>
-      </p:sp>
-    </p:spTree>
-    <p:extLst>
-      <p:ext uri="{BB962C8B-B14F-4D97-AF65-F5344CB8AC3E}">
-        <p14:creationId xmlns:p14="http://schemas.microsoft.com/office/powerpoint/2010/main" val="3549336826"/>
-      </p:ext>
-    </p:extLst>
-  </p:cSld>
-  <p:clrMapOvr>
-    <a:masterClrMapping/>
-  </p:clrMapOvr>
-</p:sld>
-</file>
-
-<file path=ppt/slides/slide5.xml><?xml version="1.0" encoding="utf-8"?>
-<p:sld xmlns:a="http://schemas.openxmlformats.org/drawingml/2006/main" xmlns:r="http://schemas.openxmlformats.org/officeDocument/2006/relationships" xmlns:p="http://schemas.openxmlformats.org/presentationml/2006/main">
-  <p:cSld>
-    <p:spTree>
-      <p:nvGrpSpPr>
-        <p:cNvPr id="1" name=""/>
-        <p:cNvGrpSpPr/>
-        <p:nvPr/>
-      </p:nvGrpSpPr>
-      <p:grpSpPr>
-        <a:xfrm>
-          <a:off x="0" y="0"/>
-          <a:ext cx="0" cy="0"/>
-          <a:chOff x="0" y="0"/>
-          <a:chExt cx="0" cy="0"/>
-        </a:xfrm>
-      </p:grpSpPr>
-      <p:pic>
-        <p:nvPicPr>
-          <p:cNvPr id="4" name="图片 3">
-            <a:extLst>
-              <a:ext uri="{FF2B5EF4-FFF2-40B4-BE49-F238E27FC236}">
-                <a16:creationId xmlns:a16="http://schemas.microsoft.com/office/drawing/2014/main" id="{175BB709-B949-6C61-F8B6-768309254A6F}"/>
-              </a:ext>
-            </a:extLst>
-          </p:cNvPr>
-          <p:cNvPicPr>
-            <a:picLocks noChangeAspect="1"/>
-          </p:cNvPicPr>
-          <p:nvPr/>
-        </p:nvPicPr>
-        <p:blipFill>
-          <a:blip r:embed="rId2"/>
-          <a:stretch>
-            <a:fillRect/>
-          </a:stretch>
-        </p:blipFill>
-        <p:spPr>
-          <a:xfrm>
-            <a:off x="576943" y="493077"/>
-            <a:ext cx="7772400" cy="3672932"/>
-          </a:xfrm>
-          <a:prstGeom prst="rect">
-            <a:avLst/>
-          </a:prstGeom>
-        </p:spPr>
-      </p:pic>
-      <p:sp>
-        <p:nvSpPr>
-          <p:cNvPr id="5" name="文本框 4">
-            <a:extLst>
-              <a:ext uri="{FF2B5EF4-FFF2-40B4-BE49-F238E27FC236}">
-                <a16:creationId xmlns:a16="http://schemas.microsoft.com/office/drawing/2014/main" id="{BE639713-FDDB-DF89-623E-EF01983D1739}"/>
-              </a:ext>
-            </a:extLst>
-          </p:cNvPr>
-          <p:cNvSpPr txBox="1"/>
-          <p:nvPr/>
-        </p:nvSpPr>
-        <p:spPr>
-          <a:xfrm>
-            <a:off x="5834743" y="1709057"/>
-            <a:ext cx="1364476" cy="369332"/>
-          </a:xfrm>
-          <a:prstGeom prst="rect">
-            <a:avLst/>
-          </a:prstGeom>
-          <a:noFill/>
-        </p:spPr>
-        <p:txBody>
-          <a:bodyPr wrap="none" rtlCol="0">
-            <a:spAutoFit/>
-          </a:bodyPr>
-          <a:lstStyle/>
-          <a:p>
-            <a:r>
-              <a:rPr kumimoji="1" lang="en-US" altLang="zh-CN" dirty="0"/>
-              <a:t>Pt</a:t>
-            </a:r>
-            <a:r>
-              <a:rPr kumimoji="1" lang="zh-CN" altLang="en-US" dirty="0"/>
-              <a:t> </a:t>
-            </a:r>
-            <a:r>
-              <a:rPr kumimoji="1" lang="en-US" altLang="zh-CN" dirty="0"/>
-              <a:t>=0.33</a:t>
-            </a:r>
-            <a:r>
-              <a:rPr kumimoji="1" lang="zh-CN" altLang="en-US" dirty="0"/>
-              <a:t> * </a:t>
-            </a:r>
-            <a:r>
-              <a:rPr kumimoji="1" lang="en-US" altLang="zh-CN" dirty="0"/>
-              <a:t>h</a:t>
-            </a:r>
-            <a:endParaRPr kumimoji="1" lang="zh-CN" altLang="en-US" dirty="0"/>
-          </a:p>
-        </p:txBody>
-      </p:sp>
-      <p:pic>
-        <p:nvPicPr>
-          <p:cNvPr id="6" name="图片 5">
-            <a:extLst>
-              <a:ext uri="{FF2B5EF4-FFF2-40B4-BE49-F238E27FC236}">
-                <a16:creationId xmlns:a16="http://schemas.microsoft.com/office/drawing/2014/main" id="{515176FB-DC4B-E3C7-059F-41BEFA619F39}"/>
-              </a:ext>
-            </a:extLst>
-          </p:cNvPr>
-          <p:cNvPicPr>
-            <a:picLocks noChangeAspect="1"/>
-          </p:cNvPicPr>
-          <p:nvPr/>
-        </p:nvPicPr>
-        <p:blipFill>
-          <a:blip r:embed="rId3"/>
-          <a:stretch>
-            <a:fillRect/>
-          </a:stretch>
-        </p:blipFill>
-        <p:spPr>
-          <a:xfrm>
-            <a:off x="1623786" y="3186793"/>
-            <a:ext cx="7289800" cy="3924300"/>
-          </a:xfrm>
-          <a:prstGeom prst="rect">
-            <a:avLst/>
-          </a:prstGeom>
-        </p:spPr>
-      </p:pic>
-      <p:sp>
-        <p:nvSpPr>
-          <p:cNvPr id="7" name="文本框 6">
-            <a:extLst>
-              <a:ext uri="{FF2B5EF4-FFF2-40B4-BE49-F238E27FC236}">
-                <a16:creationId xmlns:a16="http://schemas.microsoft.com/office/drawing/2014/main" id="{0C819364-BB64-1D3B-7773-DCD1E3703CCD}"/>
-              </a:ext>
-            </a:extLst>
-          </p:cNvPr>
-          <p:cNvSpPr txBox="1"/>
-          <p:nvPr/>
-        </p:nvSpPr>
-        <p:spPr>
-          <a:xfrm>
-            <a:off x="8349343" y="1012371"/>
-            <a:ext cx="3215945" cy="369332"/>
-          </a:xfrm>
-          <a:prstGeom prst="rect">
-            <a:avLst/>
-          </a:prstGeom>
-          <a:noFill/>
-        </p:spPr>
-        <p:txBody>
-          <a:bodyPr wrap="none" rtlCol="0">
-            <a:spAutoFit/>
-          </a:bodyPr>
-          <a:lstStyle/>
-          <a:p>
-            <a:r>
-              <a:rPr kumimoji="1" lang="en-US" altLang="zh-CN" dirty="0" err="1"/>
-              <a:t>paddingTop</a:t>
-            </a:r>
-            <a:r>
-              <a:rPr kumimoji="1" lang="zh-CN" altLang="en-US" dirty="0"/>
-              <a:t> </a:t>
-            </a:r>
-            <a:r>
-              <a:rPr kumimoji="1" lang="en-US" altLang="zh-CN" dirty="0"/>
-              <a:t>=</a:t>
-            </a:r>
-            <a:r>
-              <a:rPr kumimoji="1" lang="zh-CN" altLang="en-US" dirty="0"/>
-              <a:t> </a:t>
-            </a:r>
-            <a:r>
-              <a:rPr kumimoji="1" lang="en-US" altLang="zh-CN" dirty="0"/>
-              <a:t>(adj</a:t>
-            </a:r>
-            <a:r>
-              <a:rPr kumimoji="1" lang="zh-CN" altLang="en-US" dirty="0"/>
-              <a:t> </a:t>
-            </a:r>
-            <a:r>
-              <a:rPr kumimoji="1" lang="en-US" altLang="zh-CN" dirty="0"/>
-              <a:t>/w)</a:t>
-            </a:r>
-            <a:r>
-              <a:rPr kumimoji="1" lang="zh-CN" altLang="en-US" dirty="0"/>
-              <a:t> *</a:t>
-            </a:r>
-            <a:r>
-              <a:rPr kumimoji="1" lang="en-US" altLang="zh-CN" dirty="0"/>
-              <a:t>0.66</a:t>
-            </a:r>
-            <a:r>
-              <a:rPr kumimoji="1" lang="zh-CN" altLang="en-US" dirty="0"/>
-              <a:t>*</a:t>
-            </a:r>
-            <a:r>
-              <a:rPr kumimoji="1" lang="en-US" altLang="zh-CN" dirty="0"/>
-              <a:t>h</a:t>
-            </a:r>
-            <a:endParaRPr kumimoji="1" lang="zh-CN" altLang="en-US" dirty="0"/>
-          </a:p>
-        </p:txBody>
-      </p:sp>
-      <p:sp>
-        <p:nvSpPr>
-          <p:cNvPr id="8" name="文本框 7">
-            <a:extLst>
-              <a:ext uri="{FF2B5EF4-FFF2-40B4-BE49-F238E27FC236}">
-                <a16:creationId xmlns:a16="http://schemas.microsoft.com/office/drawing/2014/main" id="{DC26141D-EDD2-743F-E8D5-D07AE5F0EA09}"/>
-              </a:ext>
-            </a:extLst>
-          </p:cNvPr>
-          <p:cNvSpPr txBox="1"/>
-          <p:nvPr/>
-        </p:nvSpPr>
-        <p:spPr>
-          <a:xfrm>
-            <a:off x="8349343" y="1381703"/>
-            <a:ext cx="2146742" cy="369332"/>
-          </a:xfrm>
-          <a:prstGeom prst="rect">
-            <a:avLst/>
-          </a:prstGeom>
-          <a:noFill/>
-        </p:spPr>
-        <p:txBody>
-          <a:bodyPr wrap="none" rtlCol="0">
-            <a:spAutoFit/>
-          </a:bodyPr>
-          <a:lstStyle/>
-          <a:p>
-            <a:r>
-              <a:rPr kumimoji="1" lang="en-US" altLang="zh-CN" dirty="0" err="1"/>
-              <a:t>paddingBottom</a:t>
-            </a:r>
-            <a:r>
-              <a:rPr kumimoji="1" lang="zh-CN" altLang="en-US" dirty="0"/>
-              <a:t> </a:t>
-            </a:r>
-            <a:r>
-              <a:rPr kumimoji="1" lang="en-US" altLang="zh-CN" dirty="0"/>
-              <a:t>=</a:t>
-            </a:r>
-            <a:r>
-              <a:rPr kumimoji="1" lang="zh-CN" altLang="en-US" dirty="0"/>
-              <a:t> </a:t>
-            </a:r>
-            <a:r>
-              <a:rPr kumimoji="1" lang="en-US" altLang="zh-CN" dirty="0"/>
-              <a:t>0</a:t>
-            </a:r>
-            <a:endParaRPr kumimoji="1" lang="zh-CN" altLang="en-US" dirty="0"/>
-          </a:p>
-        </p:txBody>
-      </p:sp>
-      <p:pic>
-        <p:nvPicPr>
-          <p:cNvPr id="9" name="图片 8">
-            <a:extLst>
-              <a:ext uri="{FF2B5EF4-FFF2-40B4-BE49-F238E27FC236}">
-                <a16:creationId xmlns:a16="http://schemas.microsoft.com/office/drawing/2014/main" id="{FD6EF45F-CB65-9823-04EC-BCEA4D4BC022}"/>
-              </a:ext>
-            </a:extLst>
-          </p:cNvPr>
-          <p:cNvPicPr>
-            <a:picLocks noChangeAspect="1"/>
-          </p:cNvPicPr>
-          <p:nvPr/>
-        </p:nvPicPr>
-        <p:blipFill>
-          <a:blip r:embed="rId4"/>
-          <a:stretch>
-            <a:fillRect/>
-          </a:stretch>
-        </p:blipFill>
-        <p:spPr>
-          <a:xfrm>
-            <a:off x="1055914" y="2597683"/>
-            <a:ext cx="7772400" cy="4665560"/>
-          </a:xfrm>
-          <a:prstGeom prst="rect">
-            <a:avLst/>
-          </a:prstGeom>
-        </p:spPr>
-      </p:pic>
-      <p:sp>
-        <p:nvSpPr>
-          <p:cNvPr id="10" name="文本框 9">
-            <a:extLst>
-              <a:ext uri="{FF2B5EF4-FFF2-40B4-BE49-F238E27FC236}">
-                <a16:creationId xmlns:a16="http://schemas.microsoft.com/office/drawing/2014/main" id="{5EB45BB5-9143-B48C-71CC-2B98A7074E0C}"/>
-              </a:ext>
-            </a:extLst>
-          </p:cNvPr>
-          <p:cNvSpPr txBox="1"/>
-          <p:nvPr/>
-        </p:nvSpPr>
-        <p:spPr>
-          <a:xfrm>
-            <a:off x="5976257" y="4604283"/>
-            <a:ext cx="1377300" cy="369332"/>
-          </a:xfrm>
-          <a:prstGeom prst="rect">
-            <a:avLst/>
-          </a:prstGeom>
-          <a:noFill/>
-        </p:spPr>
-        <p:txBody>
-          <a:bodyPr wrap="none" rtlCol="0">
-            <a:spAutoFit/>
-          </a:bodyPr>
-          <a:lstStyle/>
-          <a:p>
-            <a:r>
-              <a:rPr kumimoji="1" lang="en-US" altLang="zh-CN" dirty="0"/>
-              <a:t>Pl</a:t>
-            </a:r>
-            <a:r>
-              <a:rPr kumimoji="1" lang="zh-CN" altLang="en-US" dirty="0"/>
-              <a:t> </a:t>
-            </a:r>
-            <a:r>
-              <a:rPr kumimoji="1" lang="en-US" altLang="zh-CN" dirty="0"/>
-              <a:t>=0.33</a:t>
-            </a:r>
-            <a:r>
-              <a:rPr kumimoji="1" lang="zh-CN" altLang="en-US" dirty="0"/>
-              <a:t> * </a:t>
-            </a:r>
-            <a:r>
-              <a:rPr kumimoji="1" lang="en-US" altLang="zh-CN" dirty="0"/>
-              <a:t>w</a:t>
-            </a:r>
-            <a:endParaRPr kumimoji="1" lang="zh-CN" altLang="en-US" dirty="0"/>
-          </a:p>
-        </p:txBody>
-      </p:sp>
-      <p:sp>
-        <p:nvSpPr>
-          <p:cNvPr id="11" name="文本框 10">
-            <a:extLst>
-              <a:ext uri="{FF2B5EF4-FFF2-40B4-BE49-F238E27FC236}">
-                <a16:creationId xmlns:a16="http://schemas.microsoft.com/office/drawing/2014/main" id="{DF206164-9113-DB4A-AB71-61BA683528D4}"/>
-              </a:ext>
-            </a:extLst>
-          </p:cNvPr>
-          <p:cNvSpPr txBox="1"/>
-          <p:nvPr/>
-        </p:nvSpPr>
-        <p:spPr>
-          <a:xfrm>
-            <a:off x="8349343" y="1933796"/>
-            <a:ext cx="3510898" cy="646331"/>
-          </a:xfrm>
-          <a:prstGeom prst="rect">
-            <a:avLst/>
-          </a:prstGeom>
-          <a:noFill/>
-        </p:spPr>
-        <p:txBody>
-          <a:bodyPr wrap="none" rtlCol="0">
-            <a:spAutoFit/>
-          </a:bodyPr>
-          <a:lstStyle/>
-          <a:p>
-            <a:r>
-              <a:rPr kumimoji="1" lang="en-US" altLang="zh-CN" dirty="0" err="1"/>
-              <a:t>paddingLeft</a:t>
-            </a:r>
-            <a:r>
-              <a:rPr kumimoji="1" lang="zh-CN" altLang="en-US" dirty="0"/>
-              <a:t> </a:t>
-            </a:r>
-            <a:r>
-              <a:rPr kumimoji="1" lang="en-US" altLang="zh-CN" dirty="0"/>
-              <a:t>=</a:t>
-            </a:r>
-            <a:r>
-              <a:rPr kumimoji="1" lang="zh-CN" altLang="en-US" dirty="0"/>
-              <a:t> </a:t>
-            </a:r>
-            <a:r>
-              <a:rPr kumimoji="1" lang="en-US" altLang="zh-CN" dirty="0"/>
-              <a:t>(adj</a:t>
-            </a:r>
-            <a:r>
-              <a:rPr kumimoji="1" lang="zh-CN" altLang="en-US" dirty="0"/>
-              <a:t> </a:t>
-            </a:r>
-            <a:r>
-              <a:rPr kumimoji="1" lang="en-US" altLang="zh-CN" dirty="0"/>
-              <a:t>/w)</a:t>
-            </a:r>
-            <a:r>
-              <a:rPr kumimoji="1" lang="zh-CN" altLang="en-US" dirty="0"/>
-              <a:t> *</a:t>
-            </a:r>
-            <a:r>
-              <a:rPr kumimoji="1" lang="en-US" altLang="zh-CN" dirty="0"/>
-              <a:t>2</a:t>
-            </a:r>
-            <a:r>
-              <a:rPr kumimoji="1" lang="zh-CN" altLang="en-US" dirty="0"/>
-              <a:t>* </a:t>
-            </a:r>
-            <a:r>
-              <a:rPr kumimoji="1" lang="en-US" altLang="zh-CN" dirty="0"/>
-              <a:t>0.33</a:t>
-            </a:r>
-            <a:r>
-              <a:rPr kumimoji="1" lang="zh-CN" altLang="en-US" dirty="0"/>
-              <a:t>*</a:t>
-            </a:r>
-            <a:r>
-              <a:rPr kumimoji="1" lang="en-US" altLang="zh-CN" dirty="0"/>
-              <a:t>w</a:t>
-            </a:r>
-          </a:p>
-          <a:p>
-            <a:r>
-              <a:rPr kumimoji="1" lang="zh-CN" altLang="en-US" dirty="0"/>
-              <a:t>                    </a:t>
-            </a:r>
-            <a:r>
-              <a:rPr kumimoji="1" lang="en-US" altLang="zh-CN" dirty="0"/>
-              <a:t>=</a:t>
-            </a:r>
-            <a:r>
-              <a:rPr kumimoji="1" lang="zh-CN" altLang="en-US" dirty="0"/>
-              <a:t> </a:t>
-            </a:r>
-            <a:r>
-              <a:rPr kumimoji="1" lang="en-US" altLang="zh-CN" dirty="0"/>
-              <a:t>0.66</a:t>
-            </a:r>
-            <a:r>
-              <a:rPr kumimoji="1" lang="zh-CN" altLang="en-US" dirty="0"/>
-              <a:t>* </a:t>
-            </a:r>
-            <a:r>
-              <a:rPr kumimoji="1" lang="en-US" altLang="zh-CN" dirty="0"/>
-              <a:t>adj</a:t>
-            </a:r>
-            <a:endParaRPr kumimoji="1" lang="zh-CN" altLang="en-US" dirty="0"/>
+              <a:t>测试图片</a:t>
+            </a:r>
           </a:p>
         </p:txBody>
       </p:sp>

--- a/examples/dist/static/test-files/test.pptx
+++ b/examples/dist/static/test-files/test.pptx
@@ -3748,7 +3748,7 @@
             <a:pPr algn="ctr"/>
             <a:r>
               <a:rPr kumimoji="1" lang="zh-CN" altLang="en-US" b="1" dirty="0"/>
-              <a:t>测试李玉林单独</a:t>
+              <a:t>测试文字</a:t>
             </a:r>
           </a:p>
         </p:txBody>
